--- a/PGM_Inference_Draft2.pptx
+++ b/PGM_Inference_Draft2.pptx
@@ -518,6 +518,40 @@
           <a:lstStyle/>
           <a:p>
             <a:r>
+              <a:rPr lang="en-US" dirty="0" err="1"/>
+              <a:t>Github</a:t>
+            </a:r>
+            <a:r>
+              <a:rPr lang="en-US" dirty="0"/>
+              <a:t> code: https://</a:t>
+            </a:r>
+            <a:r>
+              <a:rPr lang="en-US" dirty="0" err="1"/>
+              <a:t>github.com</a:t>
+            </a:r>
+            <a:r>
+              <a:rPr lang="en-US" dirty="0"/>
+              <a:t>/Mihir2/</a:t>
+            </a:r>
+            <a:r>
+              <a:rPr lang="en-US" dirty="0" err="1"/>
+              <a:t>Student_Bayesian_Network</a:t>
+            </a:r>
+            <a:r>
+              <a:rPr lang="en-US" dirty="0"/>
+              <a:t>/blob/master/PGM-</a:t>
+            </a:r>
+            <a:r>
+              <a:rPr lang="en-US" dirty="0" err="1"/>
+              <a:t>Student.ipynb</a:t>
+            </a:r>
+            <a:endParaRPr lang="en-US" dirty="0"/>
+          </a:p>
+          <a:p>
+            <a:endParaRPr lang="en-US" dirty="0"/>
+          </a:p>
+          <a:p>
+            <a:r>
               <a:rPr lang="en-US" dirty="0"/>
               <a:t>P(I,D,G,S,L,A,J) = P(I)P(D)P(G|I,D)P(S|I)P(L|G)P(A)P(J|G,S,L)</a:t>
             </a:r>
@@ -604,6 +638,57 @@
           <a:bodyPr/>
           <a:lstStyle/>
           <a:p>
+            <a:pPr marL="0" marR="0" lvl="0" indent="0" algn="l" defTabSz="914400" rtl="0" eaLnBrk="1" fontAlgn="auto" latinLnBrk="0" hangingPunct="1">
+              <a:lnSpc>
+                <a:spcPct val="100000"/>
+              </a:lnSpc>
+              <a:spcBef>
+                <a:spcPts val="0"/>
+              </a:spcBef>
+              <a:spcAft>
+                <a:spcPts val="0"/>
+              </a:spcAft>
+              <a:buClrTx/>
+              <a:buSzTx/>
+              <a:buFontTx/>
+              <a:buNone/>
+              <a:tabLst/>
+              <a:defRPr/>
+            </a:pPr>
+            <a:r>
+              <a:rPr lang="en-US" dirty="0" err="1"/>
+              <a:t>Github</a:t>
+            </a:r>
+            <a:r>
+              <a:rPr lang="en-US" dirty="0"/>
+              <a:t> code: https://</a:t>
+            </a:r>
+            <a:r>
+              <a:rPr lang="en-US" dirty="0" err="1"/>
+              <a:t>github.com</a:t>
+            </a:r>
+            <a:r>
+              <a:rPr lang="en-US" dirty="0"/>
+              <a:t>/Mihir2/</a:t>
+            </a:r>
+            <a:r>
+              <a:rPr lang="en-US" dirty="0" err="1"/>
+              <a:t>Student_Bayesian_Network</a:t>
+            </a:r>
+            <a:r>
+              <a:rPr lang="en-US" dirty="0"/>
+              <a:t>/blob/master/PGM-</a:t>
+            </a:r>
+            <a:r>
+              <a:rPr lang="en-US" dirty="0" err="1"/>
+              <a:t>Student.ipynb</a:t>
+            </a:r>
+            <a:endParaRPr lang="en-US" dirty="0"/>
+          </a:p>
+          <a:p>
+            <a:endParaRPr lang="en-US" dirty="0"/>
+          </a:p>
+          <a:p>
             <a:r>
               <a:rPr lang="en-US" dirty="0"/>
               <a:t>P(I,D,G,S,L,A|J=1) = P(I,D,G,S,L,A) / P(J=1)</a:t>
@@ -694,6 +779,57 @@
           <a:bodyPr/>
           <a:lstStyle/>
           <a:p>
+            <a:pPr marL="0" marR="0" lvl="0" indent="0" algn="l" defTabSz="914400" rtl="0" eaLnBrk="1" fontAlgn="auto" latinLnBrk="0" hangingPunct="1">
+              <a:lnSpc>
+                <a:spcPct val="100000"/>
+              </a:lnSpc>
+              <a:spcBef>
+                <a:spcPts val="0"/>
+              </a:spcBef>
+              <a:spcAft>
+                <a:spcPts val="0"/>
+              </a:spcAft>
+              <a:buClrTx/>
+              <a:buSzTx/>
+              <a:buFontTx/>
+              <a:buNone/>
+              <a:tabLst/>
+              <a:defRPr/>
+            </a:pPr>
+            <a:r>
+              <a:rPr lang="en-US" dirty="0" err="1"/>
+              <a:t>Github</a:t>
+            </a:r>
+            <a:r>
+              <a:rPr lang="en-US" dirty="0"/>
+              <a:t> code: https://</a:t>
+            </a:r>
+            <a:r>
+              <a:rPr lang="en-US" dirty="0" err="1"/>
+              <a:t>github.com</a:t>
+            </a:r>
+            <a:r>
+              <a:rPr lang="en-US" dirty="0"/>
+              <a:t>/Mihir2/</a:t>
+            </a:r>
+            <a:r>
+              <a:rPr lang="en-US" dirty="0" err="1"/>
+              <a:t>Student_Bayesian_Network</a:t>
+            </a:r>
+            <a:r>
+              <a:rPr lang="en-US" dirty="0"/>
+              <a:t>/blob/master/PGM-</a:t>
+            </a:r>
+            <a:r>
+              <a:rPr lang="en-US" dirty="0" err="1"/>
+              <a:t>Student.ipynb</a:t>
+            </a:r>
+            <a:endParaRPr lang="en-US" dirty="0"/>
+          </a:p>
+          <a:p>
+            <a:endParaRPr lang="en-US" dirty="0"/>
+          </a:p>
+          <a:p>
             <a:r>
               <a:rPr lang="en-US" dirty="0"/>
               <a:t>P(I,D,G,S,L,A|J=1) = P(I,D,G,S,L,A) / P(J=1)</a:t>
@@ -787,6 +923,54 @@
           <a:bodyPr/>
           <a:lstStyle/>
           <a:p>
+            <a:pPr marL="0" marR="0" lvl="0" indent="0" algn="l" defTabSz="914400" rtl="0" eaLnBrk="1" fontAlgn="auto" latinLnBrk="0" hangingPunct="1">
+              <a:lnSpc>
+                <a:spcPct val="100000"/>
+              </a:lnSpc>
+              <a:spcBef>
+                <a:spcPts val="0"/>
+              </a:spcBef>
+              <a:spcAft>
+                <a:spcPts val="0"/>
+              </a:spcAft>
+              <a:buClrTx/>
+              <a:buSzTx/>
+              <a:buFontTx/>
+              <a:buNone/>
+              <a:tabLst/>
+              <a:defRPr/>
+            </a:pPr>
+            <a:r>
+              <a:rPr lang="en-US" dirty="0" err="1"/>
+              <a:t>Github</a:t>
+            </a:r>
+            <a:r>
+              <a:rPr lang="en-US" dirty="0"/>
+              <a:t> code: https://</a:t>
+            </a:r>
+            <a:r>
+              <a:rPr lang="en-US" dirty="0" err="1"/>
+              <a:t>github.com</a:t>
+            </a:r>
+            <a:r>
+              <a:rPr lang="en-US" dirty="0"/>
+              <a:t>/Mihir2/</a:t>
+            </a:r>
+            <a:r>
+              <a:rPr lang="en-US" dirty="0" err="1"/>
+              <a:t>Student_Bayesian_Network</a:t>
+            </a:r>
+            <a:r>
+              <a:rPr lang="en-US" dirty="0"/>
+              <a:t>/blob/master/PGM-</a:t>
+            </a:r>
+            <a:r>
+              <a:rPr lang="en-US" dirty="0" err="1"/>
+              <a:t>Student.ipynb</a:t>
+            </a:r>
+            <a:endParaRPr lang="en-US" dirty="0"/>
+          </a:p>
+          <a:p>
             <a:endParaRPr lang="en-US" dirty="0"/>
           </a:p>
         </p:txBody>
@@ -870,6 +1054,54 @@
         <p:txBody>
           <a:bodyPr/>
           <a:lstStyle/>
+          <a:p>
+            <a:pPr marL="0" marR="0" lvl="0" indent="0" algn="l" defTabSz="914400" rtl="0" eaLnBrk="1" fontAlgn="auto" latinLnBrk="0" hangingPunct="1">
+              <a:lnSpc>
+                <a:spcPct val="100000"/>
+              </a:lnSpc>
+              <a:spcBef>
+                <a:spcPts val="0"/>
+              </a:spcBef>
+              <a:spcAft>
+                <a:spcPts val="0"/>
+              </a:spcAft>
+              <a:buClrTx/>
+              <a:buSzTx/>
+              <a:buFontTx/>
+              <a:buNone/>
+              <a:tabLst/>
+              <a:defRPr/>
+            </a:pPr>
+            <a:r>
+              <a:rPr lang="en-US" dirty="0" err="1"/>
+              <a:t>Github</a:t>
+            </a:r>
+            <a:r>
+              <a:rPr lang="en-US" dirty="0"/>
+              <a:t> code: https://</a:t>
+            </a:r>
+            <a:r>
+              <a:rPr lang="en-US" dirty="0" err="1"/>
+              <a:t>github.com</a:t>
+            </a:r>
+            <a:r>
+              <a:rPr lang="en-US" dirty="0"/>
+              <a:t>/Mihir2/</a:t>
+            </a:r>
+            <a:r>
+              <a:rPr lang="en-US" dirty="0" err="1"/>
+              <a:t>Student_Bayesian_Network</a:t>
+            </a:r>
+            <a:r>
+              <a:rPr lang="en-US" dirty="0"/>
+              <a:t>/blob/master/PGM-</a:t>
+            </a:r>
+            <a:r>
+              <a:rPr lang="en-US" dirty="0" err="1"/>
+              <a:t>Student.ipynb</a:t>
+            </a:r>
+            <a:endParaRPr lang="en-US" dirty="0"/>
+          </a:p>
           <a:p>
             <a:endParaRPr lang="en-US" dirty="0"/>
           </a:p>

--- a/PGM_Inference_Draft2.pptx
+++ b/PGM_Inference_Draft2.pptx
@@ -9,8 +9,8 @@
   </p:notesMasterIdLst>
   <p:sldIdLst>
     <p:sldId id="257" r:id="rId2"/>
-    <p:sldId id="263" r:id="rId3"/>
-    <p:sldId id="262" r:id="rId4"/>
+    <p:sldId id="268" r:id="rId3"/>
+    <p:sldId id="263" r:id="rId4"/>
     <p:sldId id="265" r:id="rId5"/>
     <p:sldId id="267" r:id="rId6"/>
     <p:sldId id="266" r:id="rId7"/>
@@ -553,7 +553,13 @@
           <a:p>
             <a:r>
               <a:rPr lang="en-US" dirty="0"/>
-              <a:t>P(I,D,G,S,L,A,J) = P(I)P(D)P(G|I,D)P(S|I)P(L|G)P(A)P(J|G,S,L)</a:t>
+              <a:t>P(I,D,G,S,L,A,J) = P(I)P(D)P(G|I,D)P(S|I)P(L|G)P(A)P(J|A,S,L)</a:t>
+            </a:r>
+          </a:p>
+          <a:p>
+            <a:r>
+              <a:rPr lang="en-US" dirty="0"/>
+              <a:t>P(I,D,G,S,L,A,J) = 0.4 * 0.7 * 0.7 * 0.99 * 0.95 * 0.6 * 0.9</a:t>
             </a:r>
           </a:p>
         </p:txBody>
@@ -638,23 +644,6 @@
           <a:bodyPr/>
           <a:lstStyle/>
           <a:p>
-            <a:pPr marL="0" marR="0" lvl="0" indent="0" algn="l" defTabSz="914400" rtl="0" eaLnBrk="1" fontAlgn="auto" latinLnBrk="0" hangingPunct="1">
-              <a:lnSpc>
-                <a:spcPct val="100000"/>
-              </a:lnSpc>
-              <a:spcBef>
-                <a:spcPts val="0"/>
-              </a:spcBef>
-              <a:spcAft>
-                <a:spcPts val="0"/>
-              </a:spcAft>
-              <a:buClrTx/>
-              <a:buSzTx/>
-              <a:buFontTx/>
-              <a:buNone/>
-              <a:tabLst/>
-              <a:defRPr/>
-            </a:pPr>
             <a:r>
               <a:rPr lang="en-US" dirty="0" err="1"/>
               <a:t>Github</a:t>
@@ -691,11 +680,14 @@
           <a:p>
             <a:r>
               <a:rPr lang="en-US" dirty="0"/>
-              <a:t>P(I,D,G,S,L,A|J=1) = P(I,D,G,S,L,A) / P(J=1)</a:t>
-            </a:r>
-          </a:p>
-          <a:p>
-            <a:endParaRPr lang="en-US" dirty="0"/>
+              <a:t>P(I,D,G,S,L,A,J) = P(I)P(D)P(G|I,D)P(S|I)P(L|G)P(A)P(J|A,S,L)</a:t>
+            </a:r>
+          </a:p>
+          <a:p>
+            <a:r>
+              <a:rPr lang="en-US" dirty="0"/>
+              <a:t>P(I,D,G,S,L,A,J) = 0.4 * 0.7 * 0.7 * 0.99 * 0.95 * 0.6 * 0.9</a:t>
+            </a:r>
           </a:p>
         </p:txBody>
       </p:sp>
@@ -725,7 +717,7 @@
     </p:spTree>
     <p:extLst>
       <p:ext uri="{BB962C8B-B14F-4D97-AF65-F5344CB8AC3E}">
-        <p14:creationId xmlns:p14="http://schemas.microsoft.com/office/powerpoint/2010/main" val="2965404942"/>
+        <p14:creationId xmlns:p14="http://schemas.microsoft.com/office/powerpoint/2010/main" val="3706259551"/>
       </p:ext>
     </p:extLst>
   </p:cSld>
@@ -836,10 +828,7 @@
             </a:r>
           </a:p>
           <a:p>
-            <a:r>
-              <a:rPr lang="en-US" dirty="0"/>
-              <a:t>P(I,D,G,S,L,A) =  P(I)P(D)P(G|I,D)P(S|I)P(L|G)P(A)</a:t>
-            </a:r>
+            <a:endParaRPr lang="en-US" dirty="0"/>
           </a:p>
         </p:txBody>
       </p:sp>
@@ -869,7 +858,7 @@
     </p:spTree>
     <p:extLst>
       <p:ext uri="{BB962C8B-B14F-4D97-AF65-F5344CB8AC3E}">
-        <p14:creationId xmlns:p14="http://schemas.microsoft.com/office/powerpoint/2010/main" val="2825383653"/>
+        <p14:creationId xmlns:p14="http://schemas.microsoft.com/office/powerpoint/2010/main" val="2965404942"/>
       </p:ext>
     </p:extLst>
   </p:cSld>
@@ -4385,7 +4374,7 @@
           <a:p>
             <a:r>
               <a:rPr lang="en-US" dirty="0"/>
-              <a:t>Joint Probability MAP Inference</a:t>
+              <a:t>Joint Probability Inference</a:t>
             </a:r>
           </a:p>
         </p:txBody>
@@ -4419,7 +4408,7 @@
           <a:p>
             <a:r>
               <a:rPr lang="en-US" dirty="0"/>
-              <a:t>The most probable setting given all conditional probabilities is: </a:t>
+              <a:t>The most probable setting for all variables is: </a:t>
             </a:r>
           </a:p>
           <a:p>
@@ -4451,7 +4440,7 @@
             </a:r>
             <a:r>
               <a:rPr lang="en-US" b="1" dirty="0"/>
-              <a:t>easy</a:t>
+              <a:t>difficult</a:t>
             </a:r>
             <a:r>
               <a:rPr lang="en-US" dirty="0"/>
@@ -4464,24 +4453,12 @@
               <a:buChar char="•"/>
             </a:pPr>
             <a:r>
-              <a:rPr lang="en-US" dirty="0"/>
-              <a:t>a weak student gets </a:t>
-            </a:r>
-            <a:r>
               <a:rPr lang="en-US" b="1" dirty="0"/>
-              <a:t>A grade </a:t>
-            </a:r>
-            <a:r>
-              <a:rPr lang="en-US" dirty="0"/>
-              <a:t>in an </a:t>
-            </a:r>
-            <a:r>
-              <a:rPr lang="en-US" b="1" dirty="0"/>
-              <a:t>easy</a:t>
-            </a:r>
-            <a:r>
-              <a:rPr lang="en-US" dirty="0"/>
-              <a:t> class; </a:t>
+              <a:t>C grade </a:t>
+            </a:r>
+            <a:r>
+              <a:rPr lang="en-US" dirty="0"/>
+              <a:t>in course;</a:t>
             </a:r>
           </a:p>
           <a:p>
@@ -4490,16 +4467,12 @@
               <a:buChar char="•"/>
             </a:pPr>
             <a:r>
-              <a:rPr lang="en-US" dirty="0"/>
-              <a:t>a weak student gets a </a:t>
-            </a:r>
-            <a:r>
               <a:rPr lang="en-US" b="1" dirty="0"/>
               <a:t>low score </a:t>
             </a:r>
             <a:r>
               <a:rPr lang="en-US" dirty="0"/>
-              <a:t>on his SAT;</a:t>
+              <a:t>on SAT;</a:t>
             </a:r>
           </a:p>
           <a:p>
@@ -4508,12 +4481,8 @@
               <a:buChar char="•"/>
             </a:pPr>
             <a:r>
-              <a:rPr lang="en-US" dirty="0"/>
-              <a:t>gets a </a:t>
-            </a:r>
-            <a:r>
               <a:rPr lang="en-US" b="1" dirty="0"/>
-              <a:t>strong</a:t>
+              <a:t>Weak</a:t>
             </a:r>
             <a:r>
               <a:rPr lang="en-US" dirty="0"/>
@@ -4545,7 +4514,7 @@
             </a:pPr>
             <a:r>
               <a:rPr lang="en-US" dirty="0"/>
-              <a:t>60.94% chance student </a:t>
+              <a:t>student </a:t>
             </a:r>
             <a:r>
               <a:rPr lang="en-US" b="1" dirty="0"/>
@@ -5089,10 +5058,10 @@
       </p:grpSp>
       <p:sp>
         <p:nvSpPr>
-          <p:cNvPr id="59" name="TextBox 58">
-            <a:extLst>
-              <a:ext uri="{FF2B5EF4-FFF2-40B4-BE49-F238E27FC236}">
-                <a16:creationId xmlns:a16="http://schemas.microsoft.com/office/drawing/2014/main" id="{B452180D-559C-2249-BCC0-14D068176B5F}"/>
+          <p:cNvPr id="62" name="TextBox 61">
+            <a:extLst>
+              <a:ext uri="{FF2B5EF4-FFF2-40B4-BE49-F238E27FC236}">
+                <a16:creationId xmlns:a16="http://schemas.microsoft.com/office/drawing/2014/main" id="{203EC1A3-3D3E-084E-A62B-7AEA83D4731E}"/>
               </a:ext>
             </a:extLst>
           </p:cNvPr>
@@ -5101,8 +5070,8 @@
         </p:nvSpPr>
         <p:spPr>
           <a:xfrm>
-            <a:off x="474067" y="4608154"/>
-            <a:ext cx="947952" cy="369332"/>
+            <a:off x="474067" y="3797637"/>
+            <a:ext cx="1037848" cy="369332"/>
           </a:xfrm>
           <a:prstGeom prst="rect">
             <a:avLst/>
@@ -5117,17 +5086,56 @@
           <a:p>
             <a:r>
               <a:rPr lang="en-US" b="1" i="1" dirty="0"/>
-              <a:t>PGMPY:</a:t>
+              <a:t>Formula:</a:t>
+            </a:r>
+          </a:p>
+        </p:txBody>
+      </p:sp>
+      <p:sp>
+        <p:nvSpPr>
+          <p:cNvPr id="63" name="TextBox 62">
+            <a:extLst>
+              <a:ext uri="{FF2B5EF4-FFF2-40B4-BE49-F238E27FC236}">
+                <a16:creationId xmlns:a16="http://schemas.microsoft.com/office/drawing/2014/main" id="{9FA1CC6A-7B35-0846-B9A9-62FEE04A2476}"/>
+              </a:ext>
+            </a:extLst>
+          </p:cNvPr>
+          <p:cNvSpPr txBox="1"/>
+          <p:nvPr/>
+        </p:nvSpPr>
+        <p:spPr>
+          <a:xfrm>
+            <a:off x="513184" y="1170566"/>
+            <a:ext cx="1376787" cy="369332"/>
+          </a:xfrm>
+          <a:prstGeom prst="rect">
+            <a:avLst/>
+          </a:prstGeom>
+          <a:noFill/>
+        </p:spPr>
+        <p:txBody>
+          <a:bodyPr wrap="none" rtlCol="0">
+            <a:spAutoFit/>
+          </a:bodyPr>
+          <a:lstStyle/>
+          <a:p>
+            <a:r>
+              <a:rPr lang="en-US" b="1" i="1" dirty="0"/>
+              <a:t>Explanation</a:t>
+            </a:r>
+            <a:r>
+              <a:rPr lang="en-US" dirty="0"/>
+              <a:t>:</a:t>
             </a:r>
           </a:p>
         </p:txBody>
       </p:sp>
       <p:pic>
         <p:nvPicPr>
-          <p:cNvPr id="60" name="Picture 59">
-            <a:extLst>
-              <a:ext uri="{FF2B5EF4-FFF2-40B4-BE49-F238E27FC236}">
-                <a16:creationId xmlns:a16="http://schemas.microsoft.com/office/drawing/2014/main" id="{AC01D46C-A696-3C4F-8ACB-5889BF91C960}"/>
+          <p:cNvPr id="5" name="Picture 4">
+            <a:extLst>
+              <a:ext uri="{FF2B5EF4-FFF2-40B4-BE49-F238E27FC236}">
+                <a16:creationId xmlns:a16="http://schemas.microsoft.com/office/drawing/2014/main" id="{01012058-8974-114F-B32D-88A35D8B6309}"/>
               </a:ext>
             </a:extLst>
           </p:cNvPr>
@@ -5144,8 +5152,8 @@
         </p:blipFill>
         <p:spPr>
           <a:xfrm>
-            <a:off x="544793" y="4977486"/>
-            <a:ext cx="5769924" cy="637424"/>
+            <a:off x="544794" y="4189329"/>
+            <a:ext cx="5769924" cy="173677"/>
           </a:xfrm>
           <a:prstGeom prst="rect">
             <a:avLst/>
@@ -5154,10 +5162,10 @@
       </p:pic>
       <p:pic>
         <p:nvPicPr>
-          <p:cNvPr id="61" name="Picture 60">
-            <a:extLst>
-              <a:ext uri="{FF2B5EF4-FFF2-40B4-BE49-F238E27FC236}">
-                <a16:creationId xmlns:a16="http://schemas.microsoft.com/office/drawing/2014/main" id="{6B2AE493-4461-C64B-AA13-46AD526F6B06}"/>
+          <p:cNvPr id="6" name="Picture 5">
+            <a:extLst>
+              <a:ext uri="{FF2B5EF4-FFF2-40B4-BE49-F238E27FC236}">
+                <a16:creationId xmlns:a16="http://schemas.microsoft.com/office/drawing/2014/main" id="{D316F8B7-3884-3F40-A362-AF124F17C4FD}"/>
               </a:ext>
             </a:extLst>
           </p:cNvPr>
@@ -5174,94 +5182,20 @@
         </p:blipFill>
         <p:spPr>
           <a:xfrm>
-            <a:off x="544793" y="4210261"/>
-            <a:ext cx="6096000" cy="183491"/>
+            <a:off x="544794" y="4865488"/>
+            <a:ext cx="4515602" cy="173677"/>
           </a:xfrm>
           <a:prstGeom prst="rect">
             <a:avLst/>
           </a:prstGeom>
         </p:spPr>
       </p:pic>
-      <p:sp>
-        <p:nvSpPr>
-          <p:cNvPr id="62" name="TextBox 61">
-            <a:extLst>
-              <a:ext uri="{FF2B5EF4-FFF2-40B4-BE49-F238E27FC236}">
-                <a16:creationId xmlns:a16="http://schemas.microsoft.com/office/drawing/2014/main" id="{203EC1A3-3D3E-084E-A62B-7AEA83D4731E}"/>
-              </a:ext>
-            </a:extLst>
-          </p:cNvPr>
-          <p:cNvSpPr txBox="1"/>
-          <p:nvPr/>
-        </p:nvSpPr>
-        <p:spPr>
-          <a:xfrm>
-            <a:off x="474067" y="3797637"/>
-            <a:ext cx="1037848" cy="369332"/>
-          </a:xfrm>
-          <a:prstGeom prst="rect">
-            <a:avLst/>
-          </a:prstGeom>
-          <a:noFill/>
-        </p:spPr>
-        <p:txBody>
-          <a:bodyPr wrap="none" rtlCol="0">
-            <a:spAutoFit/>
-          </a:bodyPr>
-          <a:lstStyle/>
-          <a:p>
-            <a:r>
-              <a:rPr lang="en-US" b="1" i="1" dirty="0"/>
-              <a:t>Formula:</a:t>
-            </a:r>
-          </a:p>
-        </p:txBody>
-      </p:sp>
-      <p:sp>
-        <p:nvSpPr>
-          <p:cNvPr id="63" name="TextBox 62">
-            <a:extLst>
-              <a:ext uri="{FF2B5EF4-FFF2-40B4-BE49-F238E27FC236}">
-                <a16:creationId xmlns:a16="http://schemas.microsoft.com/office/drawing/2014/main" id="{9FA1CC6A-7B35-0846-B9A9-62FEE04A2476}"/>
-              </a:ext>
-            </a:extLst>
-          </p:cNvPr>
-          <p:cNvSpPr txBox="1"/>
-          <p:nvPr/>
-        </p:nvSpPr>
-        <p:spPr>
-          <a:xfrm>
-            <a:off x="513184" y="1170566"/>
-            <a:ext cx="1376787" cy="369332"/>
-          </a:xfrm>
-          <a:prstGeom prst="rect">
-            <a:avLst/>
-          </a:prstGeom>
-          <a:noFill/>
-        </p:spPr>
-        <p:txBody>
-          <a:bodyPr wrap="none" rtlCol="0">
-            <a:spAutoFit/>
-          </a:bodyPr>
-          <a:lstStyle/>
-          <a:p>
-            <a:r>
-              <a:rPr lang="en-US" b="1" i="1" dirty="0"/>
-              <a:t>Explanation</a:t>
-            </a:r>
-            <a:r>
-              <a:rPr lang="en-US" dirty="0"/>
-              <a:t>:</a:t>
-            </a:r>
-          </a:p>
-        </p:txBody>
-      </p:sp>
       <p:pic>
         <p:nvPicPr>
-          <p:cNvPr id="65" name="Picture 64">
-            <a:extLst>
-              <a:ext uri="{FF2B5EF4-FFF2-40B4-BE49-F238E27FC236}">
-                <a16:creationId xmlns:a16="http://schemas.microsoft.com/office/drawing/2014/main" id="{E217032C-B15F-BF45-9BEF-B1D8537AB1C3}"/>
+          <p:cNvPr id="8" name="Picture 7">
+            <a:extLst>
+              <a:ext uri="{FF2B5EF4-FFF2-40B4-BE49-F238E27FC236}">
+                <a16:creationId xmlns:a16="http://schemas.microsoft.com/office/drawing/2014/main" id="{F20C2949-93DF-1D41-B1C1-68033D0FEF8D}"/>
               </a:ext>
             </a:extLst>
           </p:cNvPr>
@@ -5278,14 +5212,443 @@
         </p:blipFill>
         <p:spPr>
           <a:xfrm>
-            <a:off x="2471763" y="5705797"/>
-            <a:ext cx="1540354" cy="895180"/>
+            <a:off x="544794" y="5213755"/>
+            <a:ext cx="2624452" cy="173677"/>
           </a:xfrm>
           <a:prstGeom prst="rect">
             <a:avLst/>
           </a:prstGeom>
         </p:spPr>
       </p:pic>
+      <p:pic>
+        <p:nvPicPr>
+          <p:cNvPr id="18" name="Picture 17">
+            <a:extLst>
+              <a:ext uri="{FF2B5EF4-FFF2-40B4-BE49-F238E27FC236}">
+                <a16:creationId xmlns:a16="http://schemas.microsoft.com/office/drawing/2014/main" id="{9BD86C21-10ED-6D40-8807-B98910F5E198}"/>
+              </a:ext>
+            </a:extLst>
+          </p:cNvPr>
+          <p:cNvPicPr>
+            <a:picLocks noChangeAspect="1"/>
+          </p:cNvPicPr>
+          <p:nvPr/>
+        </p:nvPicPr>
+        <p:blipFill>
+          <a:blip r:embed="rId10"/>
+          <a:stretch>
+            <a:fillRect/>
+          </a:stretch>
+        </p:blipFill>
+        <p:spPr>
+          <a:xfrm>
+            <a:off x="578445" y="4537595"/>
+            <a:ext cx="4285531" cy="168060"/>
+          </a:xfrm>
+          <a:prstGeom prst="rect">
+            <a:avLst/>
+          </a:prstGeom>
+        </p:spPr>
+      </p:pic>
+      <p:sp>
+        <p:nvSpPr>
+          <p:cNvPr id="22" name="TextBox 21">
+            <a:extLst>
+              <a:ext uri="{FF2B5EF4-FFF2-40B4-BE49-F238E27FC236}">
+                <a16:creationId xmlns:a16="http://schemas.microsoft.com/office/drawing/2014/main" id="{AB4E64AF-29E9-9546-9611-BC1516C36488}"/>
+              </a:ext>
+            </a:extLst>
+          </p:cNvPr>
+          <p:cNvSpPr txBox="1"/>
+          <p:nvPr/>
+        </p:nvSpPr>
+        <p:spPr>
+          <a:xfrm>
+            <a:off x="474067" y="5641695"/>
+            <a:ext cx="6446971" cy="646331"/>
+          </a:xfrm>
+          <a:prstGeom prst="rect">
+            <a:avLst/>
+          </a:prstGeom>
+          <a:noFill/>
+        </p:spPr>
+        <p:txBody>
+          <a:bodyPr wrap="square" rtlCol="0">
+            <a:spAutoFit/>
+          </a:bodyPr>
+          <a:lstStyle/>
+          <a:p>
+            <a:r>
+              <a:rPr lang="en-US" dirty="0"/>
+              <a:t>Similarly, we have calculated joint probability for each of 192 combinations of input variables.</a:t>
+            </a:r>
+          </a:p>
+        </p:txBody>
+      </p:sp>
+      <p:sp>
+        <p:nvSpPr>
+          <p:cNvPr id="25" name="Oval 24">
+            <a:extLst>
+              <a:ext uri="{FF2B5EF4-FFF2-40B4-BE49-F238E27FC236}">
+                <a16:creationId xmlns:a16="http://schemas.microsoft.com/office/drawing/2014/main" id="{B4160561-96FB-D34C-9984-BF3BBF28A30A}"/>
+              </a:ext>
+            </a:extLst>
+          </p:cNvPr>
+          <p:cNvSpPr/>
+          <p:nvPr/>
+        </p:nvSpPr>
+        <p:spPr>
+          <a:xfrm>
+            <a:off x="7347907" y="1388969"/>
+            <a:ext cx="427703" cy="688667"/>
+          </a:xfrm>
+          <a:prstGeom prst="ellipse">
+            <a:avLst/>
+          </a:prstGeom>
+          <a:noFill/>
+          <a:ln>
+            <a:solidFill>
+              <a:srgbClr val="FF0000"/>
+            </a:solidFill>
+          </a:ln>
+        </p:spPr>
+        <p:style>
+          <a:lnRef idx="2">
+            <a:schemeClr val="accent1">
+              <a:shade val="50000"/>
+            </a:schemeClr>
+          </a:lnRef>
+          <a:fillRef idx="1">
+            <a:schemeClr val="accent1"/>
+          </a:fillRef>
+          <a:effectRef idx="0">
+            <a:schemeClr val="accent1"/>
+          </a:effectRef>
+          <a:fontRef idx="minor">
+            <a:schemeClr val="lt1"/>
+          </a:fontRef>
+        </p:style>
+        <p:txBody>
+          <a:bodyPr rtlCol="0" anchor="ctr"/>
+          <a:lstStyle/>
+          <a:p>
+            <a:pPr algn="ctr"/>
+            <a:endParaRPr lang="en-US"/>
+          </a:p>
+        </p:txBody>
+      </p:sp>
+      <p:sp>
+        <p:nvSpPr>
+          <p:cNvPr id="36" name="Oval 35">
+            <a:extLst>
+              <a:ext uri="{FF2B5EF4-FFF2-40B4-BE49-F238E27FC236}">
+                <a16:creationId xmlns:a16="http://schemas.microsoft.com/office/drawing/2014/main" id="{C620CA42-1C4E-294C-9811-7B74F7A2588F}"/>
+              </a:ext>
+            </a:extLst>
+          </p:cNvPr>
+          <p:cNvSpPr/>
+          <p:nvPr/>
+        </p:nvSpPr>
+        <p:spPr>
+          <a:xfrm>
+            <a:off x="10303509" y="1358847"/>
+            <a:ext cx="427703" cy="688667"/>
+          </a:xfrm>
+          <a:prstGeom prst="ellipse">
+            <a:avLst/>
+          </a:prstGeom>
+          <a:noFill/>
+          <a:ln>
+            <a:solidFill>
+              <a:srgbClr val="FF0000"/>
+            </a:solidFill>
+          </a:ln>
+        </p:spPr>
+        <p:style>
+          <a:lnRef idx="2">
+            <a:schemeClr val="accent1">
+              <a:shade val="50000"/>
+            </a:schemeClr>
+          </a:lnRef>
+          <a:fillRef idx="1">
+            <a:schemeClr val="accent1"/>
+          </a:fillRef>
+          <a:effectRef idx="0">
+            <a:schemeClr val="accent1"/>
+          </a:effectRef>
+          <a:fontRef idx="minor">
+            <a:schemeClr val="lt1"/>
+          </a:fontRef>
+        </p:style>
+        <p:txBody>
+          <a:bodyPr rtlCol="0" anchor="ctr"/>
+          <a:lstStyle/>
+          <a:p>
+            <a:pPr algn="ctr"/>
+            <a:endParaRPr lang="en-US"/>
+          </a:p>
+        </p:txBody>
+      </p:sp>
+      <p:sp>
+        <p:nvSpPr>
+          <p:cNvPr id="37" name="Oval 36">
+            <a:extLst>
+              <a:ext uri="{FF2B5EF4-FFF2-40B4-BE49-F238E27FC236}">
+                <a16:creationId xmlns:a16="http://schemas.microsoft.com/office/drawing/2014/main" id="{75570EFB-F6A5-C04F-B91F-D402ADD952A6}"/>
+              </a:ext>
+            </a:extLst>
+          </p:cNvPr>
+          <p:cNvSpPr/>
+          <p:nvPr/>
+        </p:nvSpPr>
+        <p:spPr>
+          <a:xfrm>
+            <a:off x="7919655" y="2849048"/>
+            <a:ext cx="357187" cy="282597"/>
+          </a:xfrm>
+          <a:prstGeom prst="ellipse">
+            <a:avLst/>
+          </a:prstGeom>
+          <a:noFill/>
+          <a:ln>
+            <a:solidFill>
+              <a:srgbClr val="FF0000"/>
+            </a:solidFill>
+          </a:ln>
+        </p:spPr>
+        <p:style>
+          <a:lnRef idx="2">
+            <a:schemeClr val="accent1">
+              <a:shade val="50000"/>
+            </a:schemeClr>
+          </a:lnRef>
+          <a:fillRef idx="1">
+            <a:schemeClr val="accent1"/>
+          </a:fillRef>
+          <a:effectRef idx="0">
+            <a:schemeClr val="accent1"/>
+          </a:effectRef>
+          <a:fontRef idx="minor">
+            <a:schemeClr val="lt1"/>
+          </a:fontRef>
+        </p:style>
+        <p:txBody>
+          <a:bodyPr rtlCol="0" anchor="ctr"/>
+          <a:lstStyle/>
+          <a:p>
+            <a:pPr algn="ctr"/>
+            <a:endParaRPr lang="en-US"/>
+          </a:p>
+        </p:txBody>
+      </p:sp>
+      <p:sp>
+        <p:nvSpPr>
+          <p:cNvPr id="38" name="Oval 37">
+            <a:extLst>
+              <a:ext uri="{FF2B5EF4-FFF2-40B4-BE49-F238E27FC236}">
+                <a16:creationId xmlns:a16="http://schemas.microsoft.com/office/drawing/2014/main" id="{B30656D0-B88D-CD4E-A8DC-BBE3AFD1DFEF}"/>
+              </a:ext>
+            </a:extLst>
+          </p:cNvPr>
+          <p:cNvSpPr/>
+          <p:nvPr/>
+        </p:nvSpPr>
+        <p:spPr>
+          <a:xfrm>
+            <a:off x="8276843" y="4312283"/>
+            <a:ext cx="373670" cy="214847"/>
+          </a:xfrm>
+          <a:prstGeom prst="ellipse">
+            <a:avLst/>
+          </a:prstGeom>
+          <a:noFill/>
+          <a:ln>
+            <a:solidFill>
+              <a:srgbClr val="FF0000"/>
+            </a:solidFill>
+          </a:ln>
+        </p:spPr>
+        <p:style>
+          <a:lnRef idx="2">
+            <a:schemeClr val="accent1">
+              <a:shade val="50000"/>
+            </a:schemeClr>
+          </a:lnRef>
+          <a:fillRef idx="1">
+            <a:schemeClr val="accent1"/>
+          </a:fillRef>
+          <a:effectRef idx="0">
+            <a:schemeClr val="accent1"/>
+          </a:effectRef>
+          <a:fontRef idx="minor">
+            <a:schemeClr val="lt1"/>
+          </a:fontRef>
+        </p:style>
+        <p:txBody>
+          <a:bodyPr rtlCol="0" anchor="ctr"/>
+          <a:lstStyle/>
+          <a:p>
+            <a:pPr algn="ctr"/>
+            <a:endParaRPr lang="en-US"/>
+          </a:p>
+        </p:txBody>
+      </p:sp>
+      <p:sp>
+        <p:nvSpPr>
+          <p:cNvPr id="39" name="Oval 38">
+            <a:extLst>
+              <a:ext uri="{FF2B5EF4-FFF2-40B4-BE49-F238E27FC236}">
+                <a16:creationId xmlns:a16="http://schemas.microsoft.com/office/drawing/2014/main" id="{D6D8BD28-3B1E-A442-8775-D3A6FE43A2D2}"/>
+              </a:ext>
+            </a:extLst>
+          </p:cNvPr>
+          <p:cNvSpPr/>
+          <p:nvPr/>
+        </p:nvSpPr>
+        <p:spPr>
+          <a:xfrm>
+            <a:off x="11195656" y="3405495"/>
+            <a:ext cx="373670" cy="180162"/>
+          </a:xfrm>
+          <a:prstGeom prst="ellipse">
+            <a:avLst/>
+          </a:prstGeom>
+          <a:noFill/>
+          <a:ln>
+            <a:solidFill>
+              <a:srgbClr val="FF0000"/>
+            </a:solidFill>
+          </a:ln>
+        </p:spPr>
+        <p:style>
+          <a:lnRef idx="2">
+            <a:schemeClr val="accent1">
+              <a:shade val="50000"/>
+            </a:schemeClr>
+          </a:lnRef>
+          <a:fillRef idx="1">
+            <a:schemeClr val="accent1"/>
+          </a:fillRef>
+          <a:effectRef idx="0">
+            <a:schemeClr val="accent1"/>
+          </a:effectRef>
+          <a:fontRef idx="minor">
+            <a:schemeClr val="lt1"/>
+          </a:fontRef>
+        </p:style>
+        <p:txBody>
+          <a:bodyPr rtlCol="0" anchor="ctr"/>
+          <a:lstStyle/>
+          <a:p>
+            <a:pPr algn="ctr"/>
+            <a:endParaRPr lang="en-US"/>
+          </a:p>
+        </p:txBody>
+      </p:sp>
+      <p:sp>
+        <p:nvSpPr>
+          <p:cNvPr id="40" name="Oval 39">
+            <a:extLst>
+              <a:ext uri="{FF2B5EF4-FFF2-40B4-BE49-F238E27FC236}">
+                <a16:creationId xmlns:a16="http://schemas.microsoft.com/office/drawing/2014/main" id="{2B9253EF-CBE8-3143-9FA2-D9F567FED594}"/>
+              </a:ext>
+            </a:extLst>
+          </p:cNvPr>
+          <p:cNvSpPr/>
+          <p:nvPr/>
+        </p:nvSpPr>
+        <p:spPr>
+          <a:xfrm>
+            <a:off x="9955041" y="2717952"/>
+            <a:ext cx="268788" cy="179524"/>
+          </a:xfrm>
+          <a:prstGeom prst="ellipse">
+            <a:avLst/>
+          </a:prstGeom>
+          <a:noFill/>
+          <a:ln>
+            <a:solidFill>
+              <a:srgbClr val="FF0000"/>
+            </a:solidFill>
+          </a:ln>
+        </p:spPr>
+        <p:style>
+          <a:lnRef idx="2">
+            <a:schemeClr val="accent1">
+              <a:shade val="50000"/>
+            </a:schemeClr>
+          </a:lnRef>
+          <a:fillRef idx="1">
+            <a:schemeClr val="accent1"/>
+          </a:fillRef>
+          <a:effectRef idx="0">
+            <a:schemeClr val="accent1"/>
+          </a:effectRef>
+          <a:fontRef idx="minor">
+            <a:schemeClr val="lt1"/>
+          </a:fontRef>
+        </p:style>
+        <p:txBody>
+          <a:bodyPr rtlCol="0" anchor="ctr"/>
+          <a:lstStyle/>
+          <a:p>
+            <a:pPr algn="ctr"/>
+            <a:endParaRPr lang="en-US"/>
+          </a:p>
+        </p:txBody>
+      </p:sp>
+      <p:sp>
+        <p:nvSpPr>
+          <p:cNvPr id="41" name="Oval 40">
+            <a:extLst>
+              <a:ext uri="{FF2B5EF4-FFF2-40B4-BE49-F238E27FC236}">
+                <a16:creationId xmlns:a16="http://schemas.microsoft.com/office/drawing/2014/main" id="{9F4424E5-C10C-2549-90C4-80601FC92473}"/>
+              </a:ext>
+            </a:extLst>
+          </p:cNvPr>
+          <p:cNvSpPr/>
+          <p:nvPr/>
+        </p:nvSpPr>
+        <p:spPr>
+          <a:xfrm>
+            <a:off x="10046068" y="5007251"/>
+            <a:ext cx="292678" cy="194123"/>
+          </a:xfrm>
+          <a:prstGeom prst="ellipse">
+            <a:avLst/>
+          </a:prstGeom>
+          <a:noFill/>
+          <a:ln>
+            <a:solidFill>
+              <a:srgbClr val="FF0000"/>
+            </a:solidFill>
+          </a:ln>
+        </p:spPr>
+        <p:style>
+          <a:lnRef idx="2">
+            <a:schemeClr val="accent1">
+              <a:shade val="50000"/>
+            </a:schemeClr>
+          </a:lnRef>
+          <a:fillRef idx="1">
+            <a:schemeClr val="accent1"/>
+          </a:fillRef>
+          <a:effectRef idx="0">
+            <a:schemeClr val="accent1"/>
+          </a:effectRef>
+          <a:fontRef idx="minor">
+            <a:schemeClr val="lt1"/>
+          </a:fontRef>
+        </p:style>
+        <p:txBody>
+          <a:bodyPr rtlCol="0" anchor="ctr"/>
+          <a:lstStyle/>
+          <a:p>
+            <a:pPr algn="ctr"/>
+            <a:endParaRPr lang="en-US"/>
+          </a:p>
+        </p:txBody>
+      </p:sp>
     </p:spTree>
     <p:extLst>
       <p:ext uri="{BB962C8B-B14F-4D97-AF65-F5344CB8AC3E}">
@@ -5695,8 +6058,8 @@
         </p:nvSpPr>
         <p:spPr>
           <a:xfrm>
-            <a:off x="474066" y="29669"/>
-            <a:ext cx="11400433" cy="1325563"/>
+            <a:off x="480417" y="202350"/>
+            <a:ext cx="10515600" cy="1325563"/>
           </a:xfrm>
         </p:spPr>
         <p:txBody>
@@ -5705,344 +6068,203 @@
           <a:p>
             <a:r>
               <a:rPr lang="en-US" dirty="0"/>
-              <a:t>Conditional Probability MAP Inference given Job</a:t>
-            </a:r>
-          </a:p>
-        </p:txBody>
-      </p:sp>
-      <p:sp>
-        <p:nvSpPr>
-          <p:cNvPr id="7" name="Rectangle 6">
-            <a:extLst>
-              <a:ext uri="{FF2B5EF4-FFF2-40B4-BE49-F238E27FC236}">
-                <a16:creationId xmlns:a16="http://schemas.microsoft.com/office/drawing/2014/main" id="{62476F43-0463-D845-ADA6-49FA53A0CD0B}"/>
-              </a:ext>
-            </a:extLst>
-          </p:cNvPr>
-          <p:cNvSpPr/>
+              <a:t>Joint Probability Inference - Combinations</a:t>
+            </a:r>
+          </a:p>
+        </p:txBody>
+      </p:sp>
+      <p:grpSp>
+        <p:nvGrpSpPr>
+          <p:cNvPr id="31" name="Group 30">
+            <a:extLst>
+              <a:ext uri="{FF2B5EF4-FFF2-40B4-BE49-F238E27FC236}">
+                <a16:creationId xmlns:a16="http://schemas.microsoft.com/office/drawing/2014/main" id="{AE3AC2BC-8D36-C44F-B369-8401CE33D3EA}"/>
+              </a:ext>
+            </a:extLst>
+          </p:cNvPr>
+          <p:cNvGrpSpPr/>
           <p:nvPr/>
-        </p:nvSpPr>
-        <p:spPr>
-          <a:xfrm>
-            <a:off x="474067" y="1516625"/>
-            <a:ext cx="6096000" cy="2031325"/>
-          </a:xfrm>
-          <a:prstGeom prst="rect">
-            <a:avLst/>
-          </a:prstGeom>
-        </p:spPr>
-        <p:txBody>
-          <a:bodyPr>
-            <a:spAutoFit/>
-          </a:bodyPr>
-          <a:lstStyle/>
-          <a:p>
-            <a:r>
-              <a:rPr lang="en-US" dirty="0"/>
-              <a:t>The most probable explanation given student </a:t>
-            </a:r>
-            <a:r>
-              <a:rPr lang="en-US" b="1" dirty="0"/>
-              <a:t>gets job </a:t>
-            </a:r>
-            <a:r>
-              <a:rPr lang="en-US" dirty="0"/>
-              <a:t>is: </a:t>
-            </a:r>
-          </a:p>
-          <a:p>
-            <a:pPr marL="742950" lvl="1" indent="-285750">
-              <a:buFont typeface="Arial" panose="020B0604020202020204" pitchFamily="34" charset="0"/>
-              <a:buChar char="•"/>
-            </a:pPr>
-            <a:r>
-              <a:rPr lang="en-US" dirty="0"/>
-              <a:t>student is </a:t>
-            </a:r>
-            <a:r>
-              <a:rPr lang="en-US" b="1" dirty="0"/>
-              <a:t>not intelligent</a:t>
-            </a:r>
-            <a:r>
-              <a:rPr lang="en-US" dirty="0"/>
-              <a:t>;</a:t>
-            </a:r>
-          </a:p>
-          <a:p>
-            <a:pPr marL="742950" lvl="1" indent="-285750">
-              <a:buFont typeface="Arial" panose="020B0604020202020204" pitchFamily="34" charset="0"/>
-              <a:buChar char="•"/>
-            </a:pPr>
-            <a:r>
-              <a:rPr lang="en-US" dirty="0"/>
-              <a:t>course is </a:t>
-            </a:r>
-            <a:r>
-              <a:rPr lang="en-US" b="1" dirty="0"/>
-              <a:t>easy</a:t>
-            </a:r>
-            <a:r>
-              <a:rPr lang="en-US" dirty="0"/>
-              <a:t>; </a:t>
-            </a:r>
-          </a:p>
-          <a:p>
-            <a:pPr marL="742950" lvl="1" indent="-285750">
-              <a:buFont typeface="Arial" panose="020B0604020202020204" pitchFamily="34" charset="0"/>
-              <a:buChar char="•"/>
-            </a:pPr>
-            <a:r>
-              <a:rPr lang="en-US" dirty="0"/>
-              <a:t>a weak student gets </a:t>
-            </a:r>
-            <a:r>
-              <a:rPr lang="en-US" b="1" dirty="0"/>
-              <a:t>A grade </a:t>
-            </a:r>
-            <a:r>
-              <a:rPr lang="en-US" dirty="0"/>
-              <a:t>in an </a:t>
-            </a:r>
-            <a:r>
-              <a:rPr lang="en-US" b="1" dirty="0"/>
-              <a:t>easy</a:t>
-            </a:r>
-            <a:r>
-              <a:rPr lang="en-US" dirty="0"/>
-              <a:t> class; </a:t>
-            </a:r>
-          </a:p>
-          <a:p>
-            <a:pPr marL="742950" lvl="1" indent="-285750">
-              <a:buFont typeface="Arial" panose="020B0604020202020204" pitchFamily="34" charset="0"/>
-              <a:buChar char="•"/>
-            </a:pPr>
-            <a:r>
-              <a:rPr lang="en-US" dirty="0"/>
-              <a:t>a weak student gets a </a:t>
-            </a:r>
-            <a:r>
-              <a:rPr lang="en-US" b="1" dirty="0"/>
-              <a:t>low score </a:t>
-            </a:r>
-            <a:r>
-              <a:rPr lang="en-US" dirty="0"/>
-              <a:t>on his SAT;</a:t>
-            </a:r>
-          </a:p>
-          <a:p>
-            <a:pPr marL="742950" lvl="1" indent="-285750">
-              <a:buFont typeface="Arial" panose="020B0604020202020204" pitchFamily="34" charset="0"/>
-              <a:buChar char="•"/>
-            </a:pPr>
-            <a:r>
-              <a:rPr lang="en-US" dirty="0"/>
-              <a:t>gets a </a:t>
-            </a:r>
-            <a:r>
-              <a:rPr lang="en-US" b="1" dirty="0"/>
-              <a:t>strong</a:t>
-            </a:r>
-            <a:r>
-              <a:rPr lang="en-US" dirty="0"/>
-              <a:t> letter of recommendation;</a:t>
-            </a:r>
-          </a:p>
-          <a:p>
-            <a:pPr marL="742950" lvl="1" indent="-285750">
-              <a:buFont typeface="Arial" panose="020B0604020202020204" pitchFamily="34" charset="0"/>
-              <a:buChar char="•"/>
-            </a:pPr>
-            <a:r>
-              <a:rPr lang="en-US" dirty="0"/>
-              <a:t>85% chance that student </a:t>
-            </a:r>
-            <a:r>
-              <a:rPr lang="en-US" b="1" dirty="0"/>
-              <a:t>applied</a:t>
-            </a:r>
-            <a:r>
-              <a:rPr lang="en-US" dirty="0"/>
-              <a:t> for the job;</a:t>
-            </a:r>
-          </a:p>
-        </p:txBody>
-      </p:sp>
-      <p:sp>
-        <p:nvSpPr>
-          <p:cNvPr id="59" name="TextBox 58">
-            <a:extLst>
-              <a:ext uri="{FF2B5EF4-FFF2-40B4-BE49-F238E27FC236}">
-                <a16:creationId xmlns:a16="http://schemas.microsoft.com/office/drawing/2014/main" id="{B452180D-559C-2249-BCC0-14D068176B5F}"/>
-              </a:ext>
-            </a:extLst>
-          </p:cNvPr>
-          <p:cNvSpPr txBox="1"/>
-          <p:nvPr/>
-        </p:nvSpPr>
-        <p:spPr>
-          <a:xfrm>
-            <a:off x="522452" y="5092640"/>
-            <a:ext cx="947952" cy="369332"/>
-          </a:xfrm>
-          <a:prstGeom prst="rect">
-            <a:avLst/>
-          </a:prstGeom>
-          <a:noFill/>
-        </p:spPr>
-        <p:txBody>
-          <a:bodyPr wrap="none" rtlCol="0">
-            <a:spAutoFit/>
-          </a:bodyPr>
-          <a:lstStyle/>
-          <a:p>
-            <a:r>
-              <a:rPr lang="en-US" b="1" i="1" dirty="0"/>
-              <a:t>PGMPY:</a:t>
-            </a:r>
-          </a:p>
-        </p:txBody>
-      </p:sp>
-      <p:sp>
-        <p:nvSpPr>
-          <p:cNvPr id="62" name="TextBox 61">
-            <a:extLst>
-              <a:ext uri="{FF2B5EF4-FFF2-40B4-BE49-F238E27FC236}">
-                <a16:creationId xmlns:a16="http://schemas.microsoft.com/office/drawing/2014/main" id="{203EC1A3-3D3E-084E-A62B-7AEA83D4731E}"/>
-              </a:ext>
-            </a:extLst>
-          </p:cNvPr>
-          <p:cNvSpPr txBox="1"/>
-          <p:nvPr/>
-        </p:nvSpPr>
-        <p:spPr>
-          <a:xfrm>
-            <a:off x="432556" y="3766297"/>
-            <a:ext cx="1037848" cy="369332"/>
-          </a:xfrm>
-          <a:prstGeom prst="rect">
-            <a:avLst/>
-          </a:prstGeom>
-          <a:noFill/>
-        </p:spPr>
-        <p:txBody>
-          <a:bodyPr wrap="none" rtlCol="0">
-            <a:spAutoFit/>
-          </a:bodyPr>
-          <a:lstStyle/>
-          <a:p>
-            <a:r>
-              <a:rPr lang="en-US" b="1" i="1" dirty="0"/>
-              <a:t>Formula:</a:t>
-            </a:r>
-          </a:p>
-        </p:txBody>
-      </p:sp>
-      <p:sp>
-        <p:nvSpPr>
-          <p:cNvPr id="63" name="TextBox 62">
-            <a:extLst>
-              <a:ext uri="{FF2B5EF4-FFF2-40B4-BE49-F238E27FC236}">
-                <a16:creationId xmlns:a16="http://schemas.microsoft.com/office/drawing/2014/main" id="{9FA1CC6A-7B35-0846-B9A9-62FEE04A2476}"/>
-              </a:ext>
-            </a:extLst>
-          </p:cNvPr>
-          <p:cNvSpPr txBox="1"/>
-          <p:nvPr/>
-        </p:nvSpPr>
-        <p:spPr>
-          <a:xfrm>
-            <a:off x="472246" y="1148835"/>
-            <a:ext cx="1376787" cy="369332"/>
-          </a:xfrm>
-          <a:prstGeom prst="rect">
-            <a:avLst/>
-          </a:prstGeom>
-          <a:noFill/>
-        </p:spPr>
-        <p:txBody>
-          <a:bodyPr wrap="none" rtlCol="0">
-            <a:spAutoFit/>
-          </a:bodyPr>
-          <a:lstStyle/>
-          <a:p>
-            <a:r>
-              <a:rPr lang="en-US" b="1" i="1" dirty="0"/>
-              <a:t>Explanation</a:t>
-            </a:r>
-            <a:r>
-              <a:rPr lang="en-US" dirty="0"/>
-              <a:t>:</a:t>
-            </a:r>
-          </a:p>
-        </p:txBody>
-      </p:sp>
+        </p:nvGrpSpPr>
+        <p:grpSpPr>
+          <a:xfrm>
+            <a:off x="5475224" y="1574326"/>
+            <a:ext cx="6266418" cy="4738065"/>
+            <a:chOff x="5451514" y="1218067"/>
+            <a:chExt cx="6266418" cy="4738065"/>
+          </a:xfrm>
+        </p:grpSpPr>
+        <p:pic>
+          <p:nvPicPr>
+            <p:cNvPr id="22" name="Picture 21">
+              <a:extLst>
+                <a:ext uri="{FF2B5EF4-FFF2-40B4-BE49-F238E27FC236}">
+                  <a16:creationId xmlns:a16="http://schemas.microsoft.com/office/drawing/2014/main" id="{B8C2CF1B-D804-B24A-BA44-867AAAE9BF5B}"/>
+                </a:ext>
+              </a:extLst>
+            </p:cNvPr>
+            <p:cNvPicPr>
+              <a:picLocks noChangeAspect="1"/>
+            </p:cNvPicPr>
+            <p:nvPr/>
+          </p:nvPicPr>
+          <p:blipFill>
+            <a:blip r:embed="rId3"/>
+            <a:stretch>
+              <a:fillRect/>
+            </a:stretch>
+          </p:blipFill>
+          <p:spPr>
+            <a:xfrm>
+              <a:off x="5451515" y="1218067"/>
+              <a:ext cx="6266417" cy="2047647"/>
+            </a:xfrm>
+            <a:prstGeom prst="rect">
+              <a:avLst/>
+            </a:prstGeom>
+          </p:spPr>
+        </p:pic>
+        <p:pic>
+          <p:nvPicPr>
+            <p:cNvPr id="26" name="Picture 25">
+              <a:extLst>
+                <a:ext uri="{FF2B5EF4-FFF2-40B4-BE49-F238E27FC236}">
+                  <a16:creationId xmlns:a16="http://schemas.microsoft.com/office/drawing/2014/main" id="{846FED30-9C85-A24A-A546-8C745BA51230}"/>
+                </a:ext>
+              </a:extLst>
+            </p:cNvPr>
+            <p:cNvPicPr>
+              <a:picLocks noChangeAspect="1"/>
+            </p:cNvPicPr>
+            <p:nvPr/>
+          </p:nvPicPr>
+          <p:blipFill>
+            <a:blip r:embed="rId4"/>
+            <a:stretch>
+              <a:fillRect/>
+            </a:stretch>
+          </p:blipFill>
+          <p:spPr>
+            <a:xfrm>
+              <a:off x="5451514" y="3628020"/>
+              <a:ext cx="6266417" cy="2328112"/>
+            </a:xfrm>
+            <a:prstGeom prst="rect">
+              <a:avLst/>
+            </a:prstGeom>
+          </p:spPr>
+        </p:pic>
+        <p:sp>
+          <p:nvSpPr>
+            <p:cNvPr id="28" name="TextBox 27">
+              <a:extLst>
+                <a:ext uri="{FF2B5EF4-FFF2-40B4-BE49-F238E27FC236}">
+                  <a16:creationId xmlns:a16="http://schemas.microsoft.com/office/drawing/2014/main" id="{3E7488F5-F470-0349-A926-A7806D49FDEA}"/>
+                </a:ext>
+              </a:extLst>
+            </p:cNvPr>
+            <p:cNvSpPr txBox="1"/>
+            <p:nvPr/>
+          </p:nvSpPr>
+          <p:spPr>
+            <a:xfrm>
+              <a:off x="5451514" y="3229980"/>
+              <a:ext cx="343364" cy="369332"/>
+            </a:xfrm>
+            <a:prstGeom prst="rect">
+              <a:avLst/>
+            </a:prstGeom>
+            <a:noFill/>
+          </p:spPr>
+          <p:txBody>
+            <a:bodyPr wrap="none" rtlCol="0">
+              <a:spAutoFit/>
+            </a:bodyPr>
+            <a:lstStyle/>
+            <a:p>
+              <a:r>
+                <a:rPr lang="en-US" dirty="0"/>
+                <a:t>…</a:t>
+              </a:r>
+            </a:p>
+          </p:txBody>
+        </p:sp>
+        <p:sp>
+          <p:nvSpPr>
+            <p:cNvPr id="34" name="TextBox 33">
+              <a:extLst>
+                <a:ext uri="{FF2B5EF4-FFF2-40B4-BE49-F238E27FC236}">
+                  <a16:creationId xmlns:a16="http://schemas.microsoft.com/office/drawing/2014/main" id="{854ECFB4-457E-634D-94BF-51F1558B5F98}"/>
+                </a:ext>
+              </a:extLst>
+            </p:cNvPr>
+            <p:cNvSpPr txBox="1"/>
+            <p:nvPr/>
+          </p:nvSpPr>
+          <p:spPr>
+            <a:xfrm>
+              <a:off x="11262121" y="3194222"/>
+              <a:ext cx="343364" cy="369332"/>
+            </a:xfrm>
+            <a:prstGeom prst="rect">
+              <a:avLst/>
+            </a:prstGeom>
+            <a:noFill/>
+          </p:spPr>
+          <p:txBody>
+            <a:bodyPr wrap="none" rtlCol="0">
+              <a:spAutoFit/>
+            </a:bodyPr>
+            <a:lstStyle/>
+            <a:p>
+              <a:r>
+                <a:rPr lang="en-US" dirty="0"/>
+                <a:t>…</a:t>
+              </a:r>
+            </a:p>
+          </p:txBody>
+        </p:sp>
+        <p:sp>
+          <p:nvSpPr>
+            <p:cNvPr id="35" name="TextBox 34">
+              <a:extLst>
+                <a:ext uri="{FF2B5EF4-FFF2-40B4-BE49-F238E27FC236}">
+                  <a16:creationId xmlns:a16="http://schemas.microsoft.com/office/drawing/2014/main" id="{80166810-419D-3844-8295-881DFB28168E}"/>
+                </a:ext>
+              </a:extLst>
+            </p:cNvPr>
+            <p:cNvSpPr txBox="1"/>
+            <p:nvPr/>
+          </p:nvSpPr>
+          <p:spPr>
+            <a:xfrm>
+              <a:off x="8278820" y="3212275"/>
+              <a:ext cx="343364" cy="369332"/>
+            </a:xfrm>
+            <a:prstGeom prst="rect">
+              <a:avLst/>
+            </a:prstGeom>
+            <a:noFill/>
+          </p:spPr>
+          <p:txBody>
+            <a:bodyPr wrap="none" rtlCol="0">
+              <a:spAutoFit/>
+            </a:bodyPr>
+            <a:lstStyle/>
+            <a:p>
+              <a:r>
+                <a:rPr lang="en-US" dirty="0"/>
+                <a:t>…</a:t>
+              </a:r>
+            </a:p>
+          </p:txBody>
+        </p:sp>
+      </p:grpSp>
       <p:pic>
         <p:nvPicPr>
-          <p:cNvPr id="28" name="Picture 27">
-            <a:extLst>
-              <a:ext uri="{FF2B5EF4-FFF2-40B4-BE49-F238E27FC236}">
-                <a16:creationId xmlns:a16="http://schemas.microsoft.com/office/drawing/2014/main" id="{3505F809-BFE3-B146-8C71-8BEC0BEB4CE2}"/>
-              </a:ext>
-            </a:extLst>
-          </p:cNvPr>
-          <p:cNvPicPr>
-            <a:picLocks noChangeAspect="1"/>
-          </p:cNvPicPr>
-          <p:nvPr/>
-        </p:nvPicPr>
-        <p:blipFill>
-          <a:blip r:embed="rId3"/>
-          <a:stretch>
-            <a:fillRect/>
-          </a:stretch>
-        </p:blipFill>
-        <p:spPr>
-          <a:xfrm>
-            <a:off x="587174" y="5525463"/>
-            <a:ext cx="5769924" cy="691663"/>
-          </a:xfrm>
-          <a:prstGeom prst="rect">
-            <a:avLst/>
-          </a:prstGeom>
-        </p:spPr>
-      </p:pic>
-      <p:pic>
-        <p:nvPicPr>
-          <p:cNvPr id="8" name="Picture 7">
-            <a:extLst>
-              <a:ext uri="{FF2B5EF4-FFF2-40B4-BE49-F238E27FC236}">
-                <a16:creationId xmlns:a16="http://schemas.microsoft.com/office/drawing/2014/main" id="{4AE64499-C015-394C-AC85-8C452C008A82}"/>
-              </a:ext>
-            </a:extLst>
-          </p:cNvPr>
-          <p:cNvPicPr>
-            <a:picLocks noChangeAspect="1"/>
-          </p:cNvPicPr>
-          <p:nvPr/>
-        </p:nvPicPr>
-        <p:blipFill>
-          <a:blip r:embed="rId4"/>
-          <a:stretch>
-            <a:fillRect/>
-          </a:stretch>
-        </p:blipFill>
-        <p:spPr>
-          <a:xfrm>
-            <a:off x="6970356" y="1735707"/>
-            <a:ext cx="1744130" cy="903491"/>
-          </a:xfrm>
-          <a:prstGeom prst="rect">
-            <a:avLst/>
-          </a:prstGeom>
-        </p:spPr>
-      </p:pic>
-      <p:pic>
-        <p:nvPicPr>
-          <p:cNvPr id="9" name="Picture 8">
-            <a:extLst>
-              <a:ext uri="{FF2B5EF4-FFF2-40B4-BE49-F238E27FC236}">
-                <a16:creationId xmlns:a16="http://schemas.microsoft.com/office/drawing/2014/main" id="{A1B7FE4D-41E8-074E-998F-8F9F3888555A}"/>
+          <p:cNvPr id="32" name="Picture 31">
+            <a:extLst>
+              <a:ext uri="{FF2B5EF4-FFF2-40B4-BE49-F238E27FC236}">
+                <a16:creationId xmlns:a16="http://schemas.microsoft.com/office/drawing/2014/main" id="{B748A52F-44CA-4645-843C-D4E971B4E756}"/>
               </a:ext>
             </a:extLst>
           </p:cNvPr>
@@ -6059,200 +6281,72 @@
         </p:blipFill>
         <p:spPr>
           <a:xfrm>
-            <a:off x="9445385" y="1869944"/>
-            <a:ext cx="1646833" cy="913992"/>
+            <a:off x="713199" y="2900461"/>
+            <a:ext cx="4339178" cy="1647789"/>
           </a:xfrm>
           <a:prstGeom prst="rect">
             <a:avLst/>
           </a:prstGeom>
         </p:spPr>
       </p:pic>
-      <p:pic>
-        <p:nvPicPr>
-          <p:cNvPr id="11" name="Picture 10">
-            <a:extLst>
-              <a:ext uri="{FF2B5EF4-FFF2-40B4-BE49-F238E27FC236}">
-                <a16:creationId xmlns:a16="http://schemas.microsoft.com/office/drawing/2014/main" id="{7923A1E7-61F6-254A-8F66-65D0BE687077}"/>
-              </a:ext>
-            </a:extLst>
-          </p:cNvPr>
-          <p:cNvPicPr>
-            <a:picLocks noChangeAspect="1"/>
-          </p:cNvPicPr>
+      <p:sp>
+        <p:nvSpPr>
+          <p:cNvPr id="40" name="Rectangle 39">
+            <a:extLst>
+              <a:ext uri="{FF2B5EF4-FFF2-40B4-BE49-F238E27FC236}">
+                <a16:creationId xmlns:a16="http://schemas.microsoft.com/office/drawing/2014/main" id="{DE663E6E-9E21-CD45-B64E-87178CAD2EE7}"/>
+              </a:ext>
+            </a:extLst>
+          </p:cNvPr>
+          <p:cNvSpPr/>
           <p:nvPr/>
-        </p:nvPicPr>
-        <p:blipFill>
-          <a:blip r:embed="rId6"/>
-          <a:stretch>
-            <a:fillRect/>
-          </a:stretch>
-        </p:blipFill>
-        <p:spPr>
-          <a:xfrm>
-            <a:off x="7027487" y="3472486"/>
-            <a:ext cx="1629867" cy="1079136"/>
+        </p:nvSpPr>
+        <p:spPr>
+          <a:xfrm>
+            <a:off x="5475224" y="1771650"/>
+            <a:ext cx="6266417" cy="149915"/>
           </a:xfrm>
           <a:prstGeom prst="rect">
             <a:avLst/>
           </a:prstGeom>
-        </p:spPr>
-      </p:pic>
-      <p:pic>
-        <p:nvPicPr>
-          <p:cNvPr id="12" name="Picture 11">
-            <a:extLst>
-              <a:ext uri="{FF2B5EF4-FFF2-40B4-BE49-F238E27FC236}">
-                <a16:creationId xmlns:a16="http://schemas.microsoft.com/office/drawing/2014/main" id="{A54B8AC5-7F52-4844-8F05-6BAC66471A1A}"/>
-              </a:ext>
-            </a:extLst>
-          </p:cNvPr>
-          <p:cNvPicPr>
-            <a:picLocks noChangeAspect="1"/>
-          </p:cNvPicPr>
-          <p:nvPr/>
-        </p:nvPicPr>
-        <p:blipFill>
-          <a:blip r:embed="rId7"/>
-          <a:stretch>
-            <a:fillRect/>
-          </a:stretch>
-        </p:blipFill>
-        <p:spPr>
-          <a:xfrm>
-            <a:off x="9505172" y="3474188"/>
-            <a:ext cx="1527260" cy="922890"/>
-          </a:xfrm>
-          <a:prstGeom prst="rect">
-            <a:avLst/>
-          </a:prstGeom>
-        </p:spPr>
-      </p:pic>
-      <p:pic>
-        <p:nvPicPr>
-          <p:cNvPr id="13" name="Picture 12">
-            <a:extLst>
-              <a:ext uri="{FF2B5EF4-FFF2-40B4-BE49-F238E27FC236}">
-                <a16:creationId xmlns:a16="http://schemas.microsoft.com/office/drawing/2014/main" id="{4810F036-3157-C045-910E-8A45CDFC406D}"/>
-              </a:ext>
-            </a:extLst>
-          </p:cNvPr>
-          <p:cNvPicPr>
-            <a:picLocks noChangeAspect="1"/>
-          </p:cNvPicPr>
-          <p:nvPr/>
-        </p:nvPicPr>
-        <p:blipFill>
-          <a:blip r:embed="rId8"/>
-          <a:stretch>
-            <a:fillRect/>
-          </a:stretch>
-        </p:blipFill>
-        <p:spPr>
-          <a:xfrm>
-            <a:off x="6939779" y="5318805"/>
-            <a:ext cx="1927985" cy="903491"/>
-          </a:xfrm>
-          <a:prstGeom prst="rect">
-            <a:avLst/>
-          </a:prstGeom>
-        </p:spPr>
-      </p:pic>
-      <p:pic>
-        <p:nvPicPr>
-          <p:cNvPr id="18" name="Picture 17">
-            <a:extLst>
-              <a:ext uri="{FF2B5EF4-FFF2-40B4-BE49-F238E27FC236}">
-                <a16:creationId xmlns:a16="http://schemas.microsoft.com/office/drawing/2014/main" id="{D6974DAD-B8CA-EC4D-8C50-E48A16D57C5B}"/>
-              </a:ext>
-            </a:extLst>
-          </p:cNvPr>
-          <p:cNvPicPr>
-            <a:picLocks noChangeAspect="1"/>
-          </p:cNvPicPr>
-          <p:nvPr/>
-        </p:nvPicPr>
-        <p:blipFill>
-          <a:blip r:embed="rId9"/>
-          <a:stretch>
-            <a:fillRect/>
-          </a:stretch>
-        </p:blipFill>
-        <p:spPr>
-          <a:xfrm>
-            <a:off x="9505172" y="5318805"/>
-            <a:ext cx="1767005" cy="903491"/>
-          </a:xfrm>
-          <a:prstGeom prst="rect">
-            <a:avLst/>
-          </a:prstGeom>
-        </p:spPr>
-      </p:pic>
-      <p:pic>
-        <p:nvPicPr>
-          <p:cNvPr id="22" name="Picture 21">
-            <a:extLst>
-              <a:ext uri="{FF2B5EF4-FFF2-40B4-BE49-F238E27FC236}">
-                <a16:creationId xmlns:a16="http://schemas.microsoft.com/office/drawing/2014/main" id="{AA82B17F-86C2-EF43-BC70-46A52D03710A}"/>
-              </a:ext>
-            </a:extLst>
-          </p:cNvPr>
-          <p:cNvPicPr>
-            <a:picLocks noChangeAspect="1"/>
-          </p:cNvPicPr>
-          <p:nvPr/>
-        </p:nvPicPr>
-        <p:blipFill>
-          <a:blip r:embed="rId10"/>
-          <a:stretch>
-            <a:fillRect/>
-          </a:stretch>
-        </p:blipFill>
-        <p:spPr>
-          <a:xfrm>
-            <a:off x="565784" y="4225380"/>
-            <a:ext cx="4117728" cy="168453"/>
-          </a:xfrm>
-          <a:prstGeom prst="rect">
-            <a:avLst/>
-          </a:prstGeom>
-        </p:spPr>
-      </p:pic>
-      <p:pic>
-        <p:nvPicPr>
-          <p:cNvPr id="25" name="Picture 24">
-            <a:extLst>
-              <a:ext uri="{FF2B5EF4-FFF2-40B4-BE49-F238E27FC236}">
-                <a16:creationId xmlns:a16="http://schemas.microsoft.com/office/drawing/2014/main" id="{AFC83FC2-AB93-B042-98FD-6BAE79149849}"/>
-              </a:ext>
-            </a:extLst>
-          </p:cNvPr>
-          <p:cNvPicPr>
-            <a:picLocks noChangeAspect="1"/>
-          </p:cNvPicPr>
-          <p:nvPr/>
-        </p:nvPicPr>
-        <p:blipFill>
-          <a:blip r:embed="rId11"/>
-          <a:stretch>
-            <a:fillRect/>
-          </a:stretch>
-        </p:blipFill>
-        <p:spPr>
-          <a:xfrm>
-            <a:off x="555458" y="4520191"/>
-            <a:ext cx="4696765" cy="175398"/>
-          </a:xfrm>
-          <a:prstGeom prst="rect">
-            <a:avLst/>
-          </a:prstGeom>
-        </p:spPr>
-      </p:pic>
-      <p:sp>
-        <p:nvSpPr>
-          <p:cNvPr id="36" name="TextBox 35">
-            <a:extLst>
-              <a:ext uri="{FF2B5EF4-FFF2-40B4-BE49-F238E27FC236}">
-                <a16:creationId xmlns:a16="http://schemas.microsoft.com/office/drawing/2014/main" id="{0535DD28-04BA-384D-B61E-15E78BC9879F}"/>
+          <a:noFill/>
+          <a:ln>
+            <a:solidFill>
+              <a:srgbClr val="FF0000"/>
+            </a:solidFill>
+          </a:ln>
+        </p:spPr>
+        <p:style>
+          <a:lnRef idx="2">
+            <a:schemeClr val="accent1">
+              <a:shade val="50000"/>
+            </a:schemeClr>
+          </a:lnRef>
+          <a:fillRef idx="1">
+            <a:schemeClr val="accent1"/>
+          </a:fillRef>
+          <a:effectRef idx="0">
+            <a:schemeClr val="accent1"/>
+          </a:effectRef>
+          <a:fontRef idx="minor">
+            <a:schemeClr val="lt1"/>
+          </a:fontRef>
+        </p:style>
+        <p:txBody>
+          <a:bodyPr rtlCol="0" anchor="ctr"/>
+          <a:lstStyle/>
+          <a:p>
+            <a:pPr algn="ctr"/>
+            <a:endParaRPr lang="en-US"/>
+          </a:p>
+        </p:txBody>
+      </p:sp>
+      <p:sp>
+        <p:nvSpPr>
+          <p:cNvPr id="33" name="TextBox 32">
+            <a:extLst>
+              <a:ext uri="{FF2B5EF4-FFF2-40B4-BE49-F238E27FC236}">
+                <a16:creationId xmlns:a16="http://schemas.microsoft.com/office/drawing/2014/main" id="{8C35012A-BB54-7047-B9E8-8ABA41C3D169}"/>
               </a:ext>
             </a:extLst>
           </p:cNvPr>
@@ -6261,8 +6355,8 @@
         </p:nvSpPr>
         <p:spPr>
           <a:xfrm>
-            <a:off x="6726949" y="1193459"/>
-            <a:ext cx="2230944" cy="584775"/>
+            <a:off x="3233455" y="1660189"/>
+            <a:ext cx="2241768" cy="369332"/>
           </a:xfrm>
           <a:prstGeom prst="rect">
             <a:avLst/>
@@ -6270,195 +6364,14 @@
           <a:noFill/>
         </p:spPr>
         <p:txBody>
-          <a:bodyPr wrap="square" rtlCol="0">
+          <a:bodyPr wrap="none" rtlCol="0">
             <a:spAutoFit/>
           </a:bodyPr>
           <a:lstStyle/>
           <a:p>
-            <a:pPr algn="ctr"/>
-            <a:r>
-              <a:rPr lang="en-US" sz="1600" dirty="0"/>
-              <a:t>Probability of Student Intelligence</a:t>
-            </a:r>
-          </a:p>
-        </p:txBody>
-      </p:sp>
-      <p:sp>
-        <p:nvSpPr>
-          <p:cNvPr id="37" name="TextBox 36">
-            <a:extLst>
-              <a:ext uri="{FF2B5EF4-FFF2-40B4-BE49-F238E27FC236}">
-                <a16:creationId xmlns:a16="http://schemas.microsoft.com/office/drawing/2014/main" id="{DFAEC0C0-7D49-E94F-92EA-F24A25F0F5F4}"/>
-              </a:ext>
-            </a:extLst>
-          </p:cNvPr>
-          <p:cNvSpPr txBox="1"/>
-          <p:nvPr/>
-        </p:nvSpPr>
-        <p:spPr>
-          <a:xfrm>
-            <a:off x="9153330" y="1193459"/>
-            <a:ext cx="2230944" cy="584775"/>
-          </a:xfrm>
-          <a:prstGeom prst="rect">
-            <a:avLst/>
-          </a:prstGeom>
-          <a:noFill/>
-        </p:spPr>
-        <p:txBody>
-          <a:bodyPr wrap="square" rtlCol="0">
-            <a:spAutoFit/>
-          </a:bodyPr>
-          <a:lstStyle/>
-          <a:p>
-            <a:pPr algn="ctr"/>
-            <a:r>
-              <a:rPr lang="en-US" sz="1600" dirty="0"/>
-              <a:t>Probability of course difficulty</a:t>
-            </a:r>
-          </a:p>
-        </p:txBody>
-      </p:sp>
-      <p:sp>
-        <p:nvSpPr>
-          <p:cNvPr id="38" name="TextBox 37">
-            <a:extLst>
-              <a:ext uri="{FF2B5EF4-FFF2-40B4-BE49-F238E27FC236}">
-                <a16:creationId xmlns:a16="http://schemas.microsoft.com/office/drawing/2014/main" id="{FC3D5788-1DC8-534B-9DC3-B08FF30D2877}"/>
-              </a:ext>
-            </a:extLst>
-          </p:cNvPr>
-          <p:cNvSpPr txBox="1"/>
-          <p:nvPr/>
-        </p:nvSpPr>
-        <p:spPr>
-          <a:xfrm>
-            <a:off x="6788299" y="2929931"/>
-            <a:ext cx="2230944" cy="584775"/>
-          </a:xfrm>
-          <a:prstGeom prst="rect">
-            <a:avLst/>
-          </a:prstGeom>
-          <a:noFill/>
-        </p:spPr>
-        <p:txBody>
-          <a:bodyPr wrap="square" rtlCol="0">
-            <a:spAutoFit/>
-          </a:bodyPr>
-          <a:lstStyle/>
-          <a:p>
-            <a:pPr algn="ctr"/>
-            <a:r>
-              <a:rPr lang="en-US" sz="1600" dirty="0"/>
-              <a:t>Probability of student grade</a:t>
-            </a:r>
-          </a:p>
-        </p:txBody>
-      </p:sp>
-      <p:sp>
-        <p:nvSpPr>
-          <p:cNvPr id="39" name="TextBox 38">
-            <a:extLst>
-              <a:ext uri="{FF2B5EF4-FFF2-40B4-BE49-F238E27FC236}">
-                <a16:creationId xmlns:a16="http://schemas.microsoft.com/office/drawing/2014/main" id="{E698BBEC-2B66-5E46-BCD8-D3904C762011}"/>
-              </a:ext>
-            </a:extLst>
-          </p:cNvPr>
-          <p:cNvSpPr txBox="1"/>
-          <p:nvPr/>
-        </p:nvSpPr>
-        <p:spPr>
-          <a:xfrm>
-            <a:off x="9147451" y="2929931"/>
-            <a:ext cx="2230944" cy="584775"/>
-          </a:xfrm>
-          <a:prstGeom prst="rect">
-            <a:avLst/>
-          </a:prstGeom>
-          <a:noFill/>
-        </p:spPr>
-        <p:txBody>
-          <a:bodyPr wrap="square" rtlCol="0">
-            <a:spAutoFit/>
-          </a:bodyPr>
-          <a:lstStyle/>
-          <a:p>
-            <a:pPr algn="ctr"/>
-            <a:r>
-              <a:rPr lang="en-US" sz="1600" dirty="0"/>
-              <a:t>Probability of student SAT score</a:t>
-            </a:r>
-          </a:p>
-        </p:txBody>
-      </p:sp>
-      <p:sp>
-        <p:nvSpPr>
-          <p:cNvPr id="40" name="TextBox 39">
-            <a:extLst>
-              <a:ext uri="{FF2B5EF4-FFF2-40B4-BE49-F238E27FC236}">
-                <a16:creationId xmlns:a16="http://schemas.microsoft.com/office/drawing/2014/main" id="{CFF699AD-8D09-0749-824D-AC3456BC7DA9}"/>
-              </a:ext>
-            </a:extLst>
-          </p:cNvPr>
-          <p:cNvSpPr txBox="1"/>
-          <p:nvPr/>
-        </p:nvSpPr>
-        <p:spPr>
-          <a:xfrm>
-            <a:off x="6724195" y="4734030"/>
-            <a:ext cx="2359152" cy="584775"/>
-          </a:xfrm>
-          <a:prstGeom prst="rect">
-            <a:avLst/>
-          </a:prstGeom>
-          <a:noFill/>
-        </p:spPr>
-        <p:txBody>
-          <a:bodyPr wrap="square" rtlCol="0">
-            <a:spAutoFit/>
-          </a:bodyPr>
-          <a:lstStyle/>
-          <a:p>
-            <a:pPr algn="ctr"/>
-            <a:r>
-              <a:rPr lang="en-US" sz="1600" dirty="0"/>
-              <a:t>Probability of professor letter or recommendation</a:t>
-            </a:r>
-          </a:p>
-        </p:txBody>
-      </p:sp>
-      <p:sp>
-        <p:nvSpPr>
-          <p:cNvPr id="41" name="TextBox 40">
-            <a:extLst>
-              <a:ext uri="{FF2B5EF4-FFF2-40B4-BE49-F238E27FC236}">
-                <a16:creationId xmlns:a16="http://schemas.microsoft.com/office/drawing/2014/main" id="{695C23B2-C969-AF41-A5F6-716E76CCD4BD}"/>
-              </a:ext>
-            </a:extLst>
-          </p:cNvPr>
-          <p:cNvSpPr txBox="1"/>
-          <p:nvPr/>
-        </p:nvSpPr>
-        <p:spPr>
-          <a:xfrm>
-            <a:off x="9273202" y="4705794"/>
-            <a:ext cx="2230944" cy="584775"/>
-          </a:xfrm>
-          <a:prstGeom prst="rect">
-            <a:avLst/>
-          </a:prstGeom>
-          <a:noFill/>
-        </p:spPr>
-        <p:txBody>
-          <a:bodyPr wrap="square" rtlCol="0">
-            <a:spAutoFit/>
-          </a:bodyPr>
-          <a:lstStyle/>
-          <a:p>
-            <a:pPr algn="ctr"/>
-            <a:r>
-              <a:rPr lang="en-US" sz="1600" dirty="0"/>
-              <a:t>Probability of student applying to the job</a:t>
+            <a:r>
+              <a:rPr lang="en-US" dirty="0"/>
+              <a:t>most probable setting</a:t>
             </a:r>
           </a:p>
         </p:txBody>
@@ -6466,7 +6379,7 @@
     </p:spTree>
     <p:extLst>
       <p:ext uri="{BB962C8B-B14F-4D97-AF65-F5344CB8AC3E}">
-        <p14:creationId xmlns:p14="http://schemas.microsoft.com/office/powerpoint/2010/main" val="3567504450"/>
+        <p14:creationId xmlns:p14="http://schemas.microsoft.com/office/powerpoint/2010/main" val="185800959"/>
       </p:ext>
     </p:extLst>
   </p:cSld>
@@ -6521,7 +6434,7 @@
           <a:p>
             <a:r>
               <a:rPr lang="en-US" dirty="0"/>
-              <a:t>Intelligence Probability MAP Inference given Job</a:t>
+              <a:t>Conditional Probability MAP Inference given Job</a:t>
             </a:r>
           </a:p>
         </p:txBody>
@@ -6541,7 +6454,7 @@
         <p:spPr>
           <a:xfrm>
             <a:off x="474067" y="1516625"/>
-            <a:ext cx="6096000" cy="646331"/>
+            <a:ext cx="6096000" cy="2031325"/>
           </a:xfrm>
           <a:prstGeom prst="rect">
             <a:avLst/>
@@ -6572,38 +6485,108 @@
               <a:buChar char="•"/>
             </a:pPr>
             <a:r>
-              <a:rPr lang="en-US" i="1" dirty="0"/>
-              <a:t>51% </a:t>
-            </a:r>
-            <a:r>
-              <a:rPr lang="en-US" dirty="0"/>
-              <a:t>chance that </a:t>
-            </a:r>
-            <a:r>
-              <a:rPr lang="en-US" i="1" dirty="0"/>
-              <a:t>student</a:t>
-            </a:r>
-            <a:r>
-              <a:rPr lang="en-US" dirty="0"/>
-              <a:t> is </a:t>
+              <a:rPr lang="en-US" dirty="0"/>
+              <a:t>student is </a:t>
             </a:r>
             <a:r>
               <a:rPr lang="en-US" b="1" dirty="0"/>
-              <a:t>not intelligent</a:t>
+              <a:t>intelligent</a:t>
             </a:r>
             <a:r>
               <a:rPr lang="en-US" dirty="0"/>
               <a:t>;</a:t>
             </a:r>
           </a:p>
-        </p:txBody>
-      </p:sp>
-      <p:sp>
-        <p:nvSpPr>
-          <p:cNvPr id="59" name="TextBox 58">
-            <a:extLst>
-              <a:ext uri="{FF2B5EF4-FFF2-40B4-BE49-F238E27FC236}">
-                <a16:creationId xmlns:a16="http://schemas.microsoft.com/office/drawing/2014/main" id="{B452180D-559C-2249-BCC0-14D068176B5F}"/>
+          <a:p>
+            <a:pPr marL="742950" lvl="1" indent="-285750">
+              <a:buFont typeface="Arial" panose="020B0604020202020204" pitchFamily="34" charset="0"/>
+              <a:buChar char="•"/>
+            </a:pPr>
+            <a:r>
+              <a:rPr lang="en-US" dirty="0"/>
+              <a:t>course is </a:t>
+            </a:r>
+            <a:r>
+              <a:rPr lang="en-US" b="1" dirty="0"/>
+              <a:t>easy</a:t>
+            </a:r>
+            <a:r>
+              <a:rPr lang="en-US" dirty="0"/>
+              <a:t>; </a:t>
+            </a:r>
+          </a:p>
+          <a:p>
+            <a:pPr marL="742950" lvl="1" indent="-285750">
+              <a:buFont typeface="Arial" panose="020B0604020202020204" pitchFamily="34" charset="0"/>
+              <a:buChar char="•"/>
+            </a:pPr>
+            <a:r>
+              <a:rPr lang="en-US" b="1" dirty="0"/>
+              <a:t>A grade</a:t>
+            </a:r>
+            <a:r>
+              <a:rPr lang="en-US" dirty="0"/>
+              <a:t>; </a:t>
+            </a:r>
+          </a:p>
+          <a:p>
+            <a:pPr marL="742950" lvl="1" indent="-285750">
+              <a:buFont typeface="Arial" panose="020B0604020202020204" pitchFamily="34" charset="0"/>
+              <a:buChar char="•"/>
+            </a:pPr>
+            <a:r>
+              <a:rPr lang="en-US" b="1" dirty="0"/>
+              <a:t>High</a:t>
+            </a:r>
+            <a:r>
+              <a:rPr lang="en-US" dirty="0"/>
+              <a:t> </a:t>
+            </a:r>
+            <a:r>
+              <a:rPr lang="en-US" b="1" dirty="0"/>
+              <a:t>score </a:t>
+            </a:r>
+            <a:r>
+              <a:rPr lang="en-US" dirty="0"/>
+              <a:t>on his SAT;</a:t>
+            </a:r>
+          </a:p>
+          <a:p>
+            <a:pPr marL="742950" lvl="1" indent="-285750">
+              <a:buFont typeface="Arial" panose="020B0604020202020204" pitchFamily="34" charset="0"/>
+              <a:buChar char="•"/>
+            </a:pPr>
+            <a:r>
+              <a:rPr lang="en-US" b="1" dirty="0"/>
+              <a:t>Strong</a:t>
+            </a:r>
+            <a:r>
+              <a:rPr lang="en-US" dirty="0"/>
+              <a:t> letter of recommendation;</a:t>
+            </a:r>
+          </a:p>
+          <a:p>
+            <a:pPr marL="742950" lvl="1" indent="-285750">
+              <a:buFont typeface="Arial" panose="020B0604020202020204" pitchFamily="34" charset="0"/>
+              <a:buChar char="•"/>
+            </a:pPr>
+            <a:r>
+              <a:rPr lang="en-US" b="1" dirty="0"/>
+              <a:t>Applied</a:t>
+            </a:r>
+            <a:r>
+              <a:rPr lang="en-US" dirty="0"/>
+              <a:t> for the job;</a:t>
+            </a:r>
+          </a:p>
+        </p:txBody>
+      </p:sp>
+      <p:sp>
+        <p:nvSpPr>
+          <p:cNvPr id="62" name="TextBox 61">
+            <a:extLst>
+              <a:ext uri="{FF2B5EF4-FFF2-40B4-BE49-F238E27FC236}">
+                <a16:creationId xmlns:a16="http://schemas.microsoft.com/office/drawing/2014/main" id="{203EC1A3-3D3E-084E-A62B-7AEA83D4731E}"/>
               </a:ext>
             </a:extLst>
           </p:cNvPr>
@@ -6612,8 +6595,8 @@
         </p:nvSpPr>
         <p:spPr>
           <a:xfrm>
-            <a:off x="522452" y="5092640"/>
-            <a:ext cx="947952" cy="369332"/>
+            <a:off x="432556" y="3766297"/>
+            <a:ext cx="1037848" cy="369332"/>
           </a:xfrm>
           <a:prstGeom prst="rect">
             <a:avLst/>
@@ -6628,17 +6611,17 @@
           <a:p>
             <a:r>
               <a:rPr lang="en-US" b="1" i="1" dirty="0"/>
-              <a:t>PGMPY:</a:t>
-            </a:r>
-          </a:p>
-        </p:txBody>
-      </p:sp>
-      <p:sp>
-        <p:nvSpPr>
-          <p:cNvPr id="62" name="TextBox 61">
-            <a:extLst>
-              <a:ext uri="{FF2B5EF4-FFF2-40B4-BE49-F238E27FC236}">
-                <a16:creationId xmlns:a16="http://schemas.microsoft.com/office/drawing/2014/main" id="{203EC1A3-3D3E-084E-A62B-7AEA83D4731E}"/>
+              <a:t>Formula:</a:t>
+            </a:r>
+          </a:p>
+        </p:txBody>
+      </p:sp>
+      <p:sp>
+        <p:nvSpPr>
+          <p:cNvPr id="63" name="TextBox 62">
+            <a:extLst>
+              <a:ext uri="{FF2B5EF4-FFF2-40B4-BE49-F238E27FC236}">
+                <a16:creationId xmlns:a16="http://schemas.microsoft.com/office/drawing/2014/main" id="{9FA1CC6A-7B35-0846-B9A9-62FEE04A2476}"/>
               </a:ext>
             </a:extLst>
           </p:cNvPr>
@@ -6647,8 +6630,8 @@
         </p:nvSpPr>
         <p:spPr>
           <a:xfrm>
-            <a:off x="384724" y="2444203"/>
-            <a:ext cx="1037848" cy="369332"/>
+            <a:off x="472246" y="1148835"/>
+            <a:ext cx="1376787" cy="369332"/>
           </a:xfrm>
           <a:prstGeom prst="rect">
             <a:avLst/>
@@ -6663,41 +6646,6 @@
           <a:p>
             <a:r>
               <a:rPr lang="en-US" b="1" i="1" dirty="0"/>
-              <a:t>Formula:</a:t>
-            </a:r>
-          </a:p>
-        </p:txBody>
-      </p:sp>
-      <p:sp>
-        <p:nvSpPr>
-          <p:cNvPr id="63" name="TextBox 62">
-            <a:extLst>
-              <a:ext uri="{FF2B5EF4-FFF2-40B4-BE49-F238E27FC236}">
-                <a16:creationId xmlns:a16="http://schemas.microsoft.com/office/drawing/2014/main" id="{9FA1CC6A-7B35-0846-B9A9-62FEE04A2476}"/>
-              </a:ext>
-            </a:extLst>
-          </p:cNvPr>
-          <p:cNvSpPr txBox="1"/>
-          <p:nvPr/>
-        </p:nvSpPr>
-        <p:spPr>
-          <a:xfrm>
-            <a:off x="472246" y="1148835"/>
-            <a:ext cx="1376787" cy="369332"/>
-          </a:xfrm>
-          <a:prstGeom prst="rect">
-            <a:avLst/>
-          </a:prstGeom>
-          <a:noFill/>
-        </p:spPr>
-        <p:txBody>
-          <a:bodyPr wrap="none" rtlCol="0">
-            <a:spAutoFit/>
-          </a:bodyPr>
-          <a:lstStyle/>
-          <a:p>
-            <a:r>
-              <a:rPr lang="en-US" b="1" i="1" dirty="0"/>
               <a:t>Explanation</a:t>
             </a:r>
             <a:r>
@@ -6709,10 +6657,10 @@
       </p:sp>
       <p:pic>
         <p:nvPicPr>
-          <p:cNvPr id="8" name="Picture 7">
-            <a:extLst>
-              <a:ext uri="{FF2B5EF4-FFF2-40B4-BE49-F238E27FC236}">
-                <a16:creationId xmlns:a16="http://schemas.microsoft.com/office/drawing/2014/main" id="{4AE64499-C015-394C-AC85-8C452C008A82}"/>
+          <p:cNvPr id="22" name="Picture 21">
+            <a:extLst>
+              <a:ext uri="{FF2B5EF4-FFF2-40B4-BE49-F238E27FC236}">
+                <a16:creationId xmlns:a16="http://schemas.microsoft.com/office/drawing/2014/main" id="{AA82B17F-86C2-EF43-BC70-46A52D03710A}"/>
               </a:ext>
             </a:extLst>
           </p:cNvPr>
@@ -6729,8 +6677,8 @@
         </p:blipFill>
         <p:spPr>
           <a:xfrm>
-            <a:off x="6970356" y="1735707"/>
-            <a:ext cx="1744130" cy="903491"/>
+            <a:off x="565784" y="4225380"/>
+            <a:ext cx="4117728" cy="168453"/>
           </a:xfrm>
           <a:prstGeom prst="rect">
             <a:avLst/>
@@ -6739,10 +6687,10 @@
       </p:pic>
       <p:pic>
         <p:nvPicPr>
-          <p:cNvPr id="9" name="Picture 8">
-            <a:extLst>
-              <a:ext uri="{FF2B5EF4-FFF2-40B4-BE49-F238E27FC236}">
-                <a16:creationId xmlns:a16="http://schemas.microsoft.com/office/drawing/2014/main" id="{A1B7FE4D-41E8-074E-998F-8F9F3888555A}"/>
+          <p:cNvPr id="25" name="Picture 24">
+            <a:extLst>
+              <a:ext uri="{FF2B5EF4-FFF2-40B4-BE49-F238E27FC236}">
+                <a16:creationId xmlns:a16="http://schemas.microsoft.com/office/drawing/2014/main" id="{AFC83FC2-AB93-B042-98FD-6BAE79149849}"/>
               </a:ext>
             </a:extLst>
           </p:cNvPr>
@@ -6759,140 +6707,123 @@
         </p:blipFill>
         <p:spPr>
           <a:xfrm>
-            <a:off x="9445385" y="1869944"/>
-            <a:ext cx="1646833" cy="913992"/>
+            <a:off x="555458" y="4520191"/>
+            <a:ext cx="4696765" cy="175398"/>
           </a:xfrm>
           <a:prstGeom prst="rect">
             <a:avLst/>
           </a:prstGeom>
         </p:spPr>
       </p:pic>
-      <p:pic>
-        <p:nvPicPr>
-          <p:cNvPr id="11" name="Picture 10">
-            <a:extLst>
-              <a:ext uri="{FF2B5EF4-FFF2-40B4-BE49-F238E27FC236}">
-                <a16:creationId xmlns:a16="http://schemas.microsoft.com/office/drawing/2014/main" id="{7923A1E7-61F6-254A-8F66-65D0BE687077}"/>
-              </a:ext>
-            </a:extLst>
-          </p:cNvPr>
-          <p:cNvPicPr>
-            <a:picLocks noChangeAspect="1"/>
-          </p:cNvPicPr>
+      <p:grpSp>
+        <p:nvGrpSpPr>
+          <p:cNvPr id="6" name="Group 5">
+            <a:extLst>
+              <a:ext uri="{FF2B5EF4-FFF2-40B4-BE49-F238E27FC236}">
+                <a16:creationId xmlns:a16="http://schemas.microsoft.com/office/drawing/2014/main" id="{5C270788-21D1-1749-81E4-093E9D8591DC}"/>
+              </a:ext>
+            </a:extLst>
+          </p:cNvPr>
+          <p:cNvGrpSpPr/>
           <p:nvPr/>
-        </p:nvPicPr>
-        <p:blipFill>
-          <a:blip r:embed="rId5"/>
-          <a:stretch>
-            <a:fillRect/>
-          </a:stretch>
-        </p:blipFill>
-        <p:spPr>
-          <a:xfrm>
-            <a:off x="7027487" y="3472486"/>
-            <a:ext cx="1629867" cy="1079136"/>
-          </a:xfrm>
-          <a:prstGeom prst="rect">
-            <a:avLst/>
-          </a:prstGeom>
-        </p:spPr>
-      </p:pic>
-      <p:pic>
-        <p:nvPicPr>
-          <p:cNvPr id="12" name="Picture 11">
-            <a:extLst>
-              <a:ext uri="{FF2B5EF4-FFF2-40B4-BE49-F238E27FC236}">
-                <a16:creationId xmlns:a16="http://schemas.microsoft.com/office/drawing/2014/main" id="{A54B8AC5-7F52-4844-8F05-6BAC66471A1A}"/>
-              </a:ext>
-            </a:extLst>
-          </p:cNvPr>
-          <p:cNvPicPr>
-            <a:picLocks noChangeAspect="1"/>
-          </p:cNvPicPr>
-          <p:nvPr/>
-        </p:nvPicPr>
-        <p:blipFill>
-          <a:blip r:embed="rId6"/>
-          <a:stretch>
-            <a:fillRect/>
-          </a:stretch>
-        </p:blipFill>
-        <p:spPr>
-          <a:xfrm>
-            <a:off x="9505172" y="3474188"/>
-            <a:ext cx="1527260" cy="922890"/>
-          </a:xfrm>
-          <a:prstGeom prst="rect">
-            <a:avLst/>
-          </a:prstGeom>
-        </p:spPr>
-      </p:pic>
-      <p:pic>
-        <p:nvPicPr>
-          <p:cNvPr id="13" name="Picture 12">
-            <a:extLst>
-              <a:ext uri="{FF2B5EF4-FFF2-40B4-BE49-F238E27FC236}">
-                <a16:creationId xmlns:a16="http://schemas.microsoft.com/office/drawing/2014/main" id="{4810F036-3157-C045-910E-8A45CDFC406D}"/>
-              </a:ext>
-            </a:extLst>
-          </p:cNvPr>
-          <p:cNvPicPr>
-            <a:picLocks noChangeAspect="1"/>
-          </p:cNvPicPr>
-          <p:nvPr/>
-        </p:nvPicPr>
-        <p:blipFill>
-          <a:blip r:embed="rId7"/>
-          <a:stretch>
-            <a:fillRect/>
-          </a:stretch>
-        </p:blipFill>
-        <p:spPr>
-          <a:xfrm>
-            <a:off x="6939779" y="5318805"/>
-            <a:ext cx="1927985" cy="903491"/>
-          </a:xfrm>
-          <a:prstGeom prst="rect">
-            <a:avLst/>
-          </a:prstGeom>
-        </p:spPr>
-      </p:pic>
-      <p:pic>
-        <p:nvPicPr>
-          <p:cNvPr id="18" name="Picture 17">
-            <a:extLst>
-              <a:ext uri="{FF2B5EF4-FFF2-40B4-BE49-F238E27FC236}">
-                <a16:creationId xmlns:a16="http://schemas.microsoft.com/office/drawing/2014/main" id="{D6974DAD-B8CA-EC4D-8C50-E48A16D57C5B}"/>
-              </a:ext>
-            </a:extLst>
-          </p:cNvPr>
-          <p:cNvPicPr>
-            <a:picLocks noChangeAspect="1"/>
-          </p:cNvPicPr>
-          <p:nvPr/>
-        </p:nvPicPr>
-        <p:blipFill>
-          <a:blip r:embed="rId8"/>
-          <a:stretch>
-            <a:fillRect/>
-          </a:stretch>
-        </p:blipFill>
-        <p:spPr>
-          <a:xfrm>
-            <a:off x="9505172" y="5318805"/>
-            <a:ext cx="1767005" cy="903491"/>
-          </a:xfrm>
-          <a:prstGeom prst="rect">
-            <a:avLst/>
-          </a:prstGeom>
-        </p:spPr>
-      </p:pic>
-      <p:sp>
-        <p:nvSpPr>
-          <p:cNvPr id="36" name="TextBox 35">
-            <a:extLst>
-              <a:ext uri="{FF2B5EF4-FFF2-40B4-BE49-F238E27FC236}">
-                <a16:creationId xmlns:a16="http://schemas.microsoft.com/office/drawing/2014/main" id="{0535DD28-04BA-384D-B61E-15E78BC9879F}"/>
+        </p:nvGrpSpPr>
+        <p:grpSpPr>
+          <a:xfrm>
+            <a:off x="6416549" y="1446714"/>
+            <a:ext cx="5187373" cy="2504249"/>
+            <a:chOff x="6575575" y="1516625"/>
+            <a:chExt cx="5187373" cy="2504249"/>
+          </a:xfrm>
+        </p:grpSpPr>
+        <p:pic>
+          <p:nvPicPr>
+            <p:cNvPr id="4" name="Picture 3">
+              <a:extLst>
+                <a:ext uri="{FF2B5EF4-FFF2-40B4-BE49-F238E27FC236}">
+                  <a16:creationId xmlns:a16="http://schemas.microsoft.com/office/drawing/2014/main" id="{ACD0DA8C-D0ED-7549-B537-3C4946ACC37C}"/>
+                </a:ext>
+              </a:extLst>
+            </p:cNvPr>
+            <p:cNvPicPr>
+              <a:picLocks noChangeAspect="1"/>
+            </p:cNvPicPr>
+            <p:nvPr/>
+          </p:nvPicPr>
+          <p:blipFill>
+            <a:blip r:embed="rId5"/>
+            <a:stretch>
+              <a:fillRect/>
+            </a:stretch>
+          </p:blipFill>
+          <p:spPr>
+            <a:xfrm>
+              <a:off x="6575575" y="1516625"/>
+              <a:ext cx="5187373" cy="2504249"/>
+            </a:xfrm>
+            <a:prstGeom prst="rect">
+              <a:avLst/>
+            </a:prstGeom>
+          </p:spPr>
+        </p:pic>
+        <p:sp>
+          <p:nvSpPr>
+            <p:cNvPr id="5" name="Rectangle 4">
+              <a:extLst>
+                <a:ext uri="{FF2B5EF4-FFF2-40B4-BE49-F238E27FC236}">
+                  <a16:creationId xmlns:a16="http://schemas.microsoft.com/office/drawing/2014/main" id="{AFF9801C-E6C6-BE4A-A523-B2A11D656331}"/>
+                </a:ext>
+              </a:extLst>
+            </p:cNvPr>
+            <p:cNvSpPr/>
+            <p:nvPr/>
+          </p:nvSpPr>
+          <p:spPr>
+            <a:xfrm>
+              <a:off x="6598295" y="1668052"/>
+              <a:ext cx="5159145" cy="142504"/>
+            </a:xfrm>
+            <a:prstGeom prst="rect">
+              <a:avLst/>
+            </a:prstGeom>
+            <a:noFill/>
+            <a:ln>
+              <a:solidFill>
+                <a:srgbClr val="FF0000"/>
+              </a:solidFill>
+            </a:ln>
+          </p:spPr>
+          <p:style>
+            <a:lnRef idx="2">
+              <a:schemeClr val="accent1">
+                <a:shade val="50000"/>
+              </a:schemeClr>
+            </a:lnRef>
+            <a:fillRef idx="1">
+              <a:schemeClr val="accent1"/>
+            </a:fillRef>
+            <a:effectRef idx="0">
+              <a:schemeClr val="accent1"/>
+            </a:effectRef>
+            <a:fontRef idx="minor">
+              <a:schemeClr val="lt1"/>
+            </a:fontRef>
+          </p:style>
+          <p:txBody>
+            <a:bodyPr rtlCol="0" anchor="ctr"/>
+            <a:lstStyle/>
+            <a:p>
+              <a:pPr algn="ctr"/>
+              <a:endParaRPr lang="en-US"/>
+            </a:p>
+          </p:txBody>
+        </p:sp>
+      </p:grpSp>
+      <p:sp>
+        <p:nvSpPr>
+          <p:cNvPr id="10" name="TextBox 9">
+            <a:extLst>
+              <a:ext uri="{FF2B5EF4-FFF2-40B4-BE49-F238E27FC236}">
+                <a16:creationId xmlns:a16="http://schemas.microsoft.com/office/drawing/2014/main" id="{73EDFE0F-83FF-264E-AD34-DF021CD8276B}"/>
               </a:ext>
             </a:extLst>
           </p:cNvPr>
@@ -6901,396 +6832,8 @@
         </p:nvSpPr>
         <p:spPr>
           <a:xfrm>
-            <a:off x="6726949" y="1193459"/>
-            <a:ext cx="2230944" cy="584775"/>
-          </a:xfrm>
-          <a:prstGeom prst="rect">
-            <a:avLst/>
-          </a:prstGeom>
-          <a:noFill/>
-        </p:spPr>
-        <p:txBody>
-          <a:bodyPr wrap="square" rtlCol="0">
-            <a:spAutoFit/>
-          </a:bodyPr>
-          <a:lstStyle/>
-          <a:p>
-            <a:pPr algn="ctr"/>
-            <a:r>
-              <a:rPr lang="en-US" sz="1600" dirty="0"/>
-              <a:t>Probability of Student Intelligence</a:t>
-            </a:r>
-          </a:p>
-        </p:txBody>
-      </p:sp>
-      <p:sp>
-        <p:nvSpPr>
-          <p:cNvPr id="37" name="TextBox 36">
-            <a:extLst>
-              <a:ext uri="{FF2B5EF4-FFF2-40B4-BE49-F238E27FC236}">
-                <a16:creationId xmlns:a16="http://schemas.microsoft.com/office/drawing/2014/main" id="{DFAEC0C0-7D49-E94F-92EA-F24A25F0F5F4}"/>
-              </a:ext>
-            </a:extLst>
-          </p:cNvPr>
-          <p:cNvSpPr txBox="1"/>
-          <p:nvPr/>
-        </p:nvSpPr>
-        <p:spPr>
-          <a:xfrm>
-            <a:off x="9153330" y="1193459"/>
-            <a:ext cx="2230944" cy="584775"/>
-          </a:xfrm>
-          <a:prstGeom prst="rect">
-            <a:avLst/>
-          </a:prstGeom>
-          <a:noFill/>
-        </p:spPr>
-        <p:txBody>
-          <a:bodyPr wrap="square" rtlCol="0">
-            <a:spAutoFit/>
-          </a:bodyPr>
-          <a:lstStyle/>
-          <a:p>
-            <a:pPr algn="ctr"/>
-            <a:r>
-              <a:rPr lang="en-US" sz="1600" dirty="0"/>
-              <a:t>Probability of course difficulty</a:t>
-            </a:r>
-          </a:p>
-        </p:txBody>
-      </p:sp>
-      <p:sp>
-        <p:nvSpPr>
-          <p:cNvPr id="38" name="TextBox 37">
-            <a:extLst>
-              <a:ext uri="{FF2B5EF4-FFF2-40B4-BE49-F238E27FC236}">
-                <a16:creationId xmlns:a16="http://schemas.microsoft.com/office/drawing/2014/main" id="{FC3D5788-1DC8-534B-9DC3-B08FF30D2877}"/>
-              </a:ext>
-            </a:extLst>
-          </p:cNvPr>
-          <p:cNvSpPr txBox="1"/>
-          <p:nvPr/>
-        </p:nvSpPr>
-        <p:spPr>
-          <a:xfrm>
-            <a:off x="6788299" y="2929931"/>
-            <a:ext cx="2230944" cy="584775"/>
-          </a:xfrm>
-          <a:prstGeom prst="rect">
-            <a:avLst/>
-          </a:prstGeom>
-          <a:noFill/>
-        </p:spPr>
-        <p:txBody>
-          <a:bodyPr wrap="square" rtlCol="0">
-            <a:spAutoFit/>
-          </a:bodyPr>
-          <a:lstStyle/>
-          <a:p>
-            <a:pPr algn="ctr"/>
-            <a:r>
-              <a:rPr lang="en-US" sz="1600" dirty="0"/>
-              <a:t>Probability of student grade</a:t>
-            </a:r>
-          </a:p>
-        </p:txBody>
-      </p:sp>
-      <p:sp>
-        <p:nvSpPr>
-          <p:cNvPr id="39" name="TextBox 38">
-            <a:extLst>
-              <a:ext uri="{FF2B5EF4-FFF2-40B4-BE49-F238E27FC236}">
-                <a16:creationId xmlns:a16="http://schemas.microsoft.com/office/drawing/2014/main" id="{E698BBEC-2B66-5E46-BCD8-D3904C762011}"/>
-              </a:ext>
-            </a:extLst>
-          </p:cNvPr>
-          <p:cNvSpPr txBox="1"/>
-          <p:nvPr/>
-        </p:nvSpPr>
-        <p:spPr>
-          <a:xfrm>
-            <a:off x="9147451" y="2929931"/>
-            <a:ext cx="2230944" cy="584775"/>
-          </a:xfrm>
-          <a:prstGeom prst="rect">
-            <a:avLst/>
-          </a:prstGeom>
-          <a:noFill/>
-        </p:spPr>
-        <p:txBody>
-          <a:bodyPr wrap="square" rtlCol="0">
-            <a:spAutoFit/>
-          </a:bodyPr>
-          <a:lstStyle/>
-          <a:p>
-            <a:pPr algn="ctr"/>
-            <a:r>
-              <a:rPr lang="en-US" sz="1600" dirty="0"/>
-              <a:t>Probability of student SAT score</a:t>
-            </a:r>
-          </a:p>
-        </p:txBody>
-      </p:sp>
-      <p:sp>
-        <p:nvSpPr>
-          <p:cNvPr id="40" name="TextBox 39">
-            <a:extLst>
-              <a:ext uri="{FF2B5EF4-FFF2-40B4-BE49-F238E27FC236}">
-                <a16:creationId xmlns:a16="http://schemas.microsoft.com/office/drawing/2014/main" id="{CFF699AD-8D09-0749-824D-AC3456BC7DA9}"/>
-              </a:ext>
-            </a:extLst>
-          </p:cNvPr>
-          <p:cNvSpPr txBox="1"/>
-          <p:nvPr/>
-        </p:nvSpPr>
-        <p:spPr>
-          <a:xfrm>
-            <a:off x="6724195" y="4734030"/>
-            <a:ext cx="2359152" cy="584775"/>
-          </a:xfrm>
-          <a:prstGeom prst="rect">
-            <a:avLst/>
-          </a:prstGeom>
-          <a:noFill/>
-        </p:spPr>
-        <p:txBody>
-          <a:bodyPr wrap="square" rtlCol="0">
-            <a:spAutoFit/>
-          </a:bodyPr>
-          <a:lstStyle/>
-          <a:p>
-            <a:pPr algn="ctr"/>
-            <a:r>
-              <a:rPr lang="en-US" sz="1600" dirty="0"/>
-              <a:t>Probability of professor letter or recommendation</a:t>
-            </a:r>
-          </a:p>
-        </p:txBody>
-      </p:sp>
-      <p:sp>
-        <p:nvSpPr>
-          <p:cNvPr id="41" name="TextBox 40">
-            <a:extLst>
-              <a:ext uri="{FF2B5EF4-FFF2-40B4-BE49-F238E27FC236}">
-                <a16:creationId xmlns:a16="http://schemas.microsoft.com/office/drawing/2014/main" id="{695C23B2-C969-AF41-A5F6-716E76CCD4BD}"/>
-              </a:ext>
-            </a:extLst>
-          </p:cNvPr>
-          <p:cNvSpPr txBox="1"/>
-          <p:nvPr/>
-        </p:nvSpPr>
-        <p:spPr>
-          <a:xfrm>
-            <a:off x="9273202" y="4705794"/>
-            <a:ext cx="2230944" cy="584775"/>
-          </a:xfrm>
-          <a:prstGeom prst="rect">
-            <a:avLst/>
-          </a:prstGeom>
-          <a:noFill/>
-        </p:spPr>
-        <p:txBody>
-          <a:bodyPr wrap="square" rtlCol="0">
-            <a:spAutoFit/>
-          </a:bodyPr>
-          <a:lstStyle/>
-          <a:p>
-            <a:pPr algn="ctr"/>
-            <a:r>
-              <a:rPr lang="en-US" sz="1600" dirty="0"/>
-              <a:t>Probability of student applying to the job</a:t>
-            </a:r>
-          </a:p>
-        </p:txBody>
-      </p:sp>
-      <p:sp>
-        <p:nvSpPr>
-          <p:cNvPr id="26" name="Rectangle 25">
-            <a:extLst>
-              <a:ext uri="{FF2B5EF4-FFF2-40B4-BE49-F238E27FC236}">
-                <a16:creationId xmlns:a16="http://schemas.microsoft.com/office/drawing/2014/main" id="{30BB0960-4088-E54F-81A7-F2B5A0439B7F}"/>
-              </a:ext>
-            </a:extLst>
-          </p:cNvPr>
-          <p:cNvSpPr/>
-          <p:nvPr/>
-        </p:nvSpPr>
-        <p:spPr>
-          <a:xfrm>
-            <a:off x="9147451" y="1148835"/>
-            <a:ext cx="2727048" cy="5251965"/>
-          </a:xfrm>
-          <a:prstGeom prst="rect">
-            <a:avLst/>
-          </a:prstGeom>
-          <a:solidFill>
-            <a:schemeClr val="bg1">
-              <a:alpha val="89000"/>
-            </a:schemeClr>
-          </a:solidFill>
-          <a:ln>
-            <a:solidFill>
-              <a:schemeClr val="bg1"/>
-            </a:solidFill>
-          </a:ln>
-        </p:spPr>
-        <p:style>
-          <a:lnRef idx="2">
-            <a:schemeClr val="accent1">
-              <a:shade val="50000"/>
-            </a:schemeClr>
-          </a:lnRef>
-          <a:fillRef idx="1">
-            <a:schemeClr val="accent1"/>
-          </a:fillRef>
-          <a:effectRef idx="0">
-            <a:schemeClr val="accent1"/>
-          </a:effectRef>
-          <a:fontRef idx="minor">
-            <a:schemeClr val="lt1"/>
-          </a:fontRef>
-        </p:style>
-        <p:txBody>
-          <a:bodyPr rtlCol="0" anchor="ctr"/>
-          <a:lstStyle/>
-          <a:p>
-            <a:pPr algn="ctr"/>
-            <a:endParaRPr lang="en-US"/>
-          </a:p>
-        </p:txBody>
-      </p:sp>
-      <p:sp>
-        <p:nvSpPr>
-          <p:cNvPr id="43" name="Rectangle 42">
-            <a:extLst>
-              <a:ext uri="{FF2B5EF4-FFF2-40B4-BE49-F238E27FC236}">
-                <a16:creationId xmlns:a16="http://schemas.microsoft.com/office/drawing/2014/main" id="{ED649FB0-D8C1-3349-970A-D4A6AE994766}"/>
-              </a:ext>
-            </a:extLst>
-          </p:cNvPr>
-          <p:cNvSpPr/>
-          <p:nvPr/>
-        </p:nvSpPr>
-        <p:spPr>
-          <a:xfrm>
-            <a:off x="6695818" y="2783936"/>
-            <a:ext cx="2448694" cy="3616864"/>
-          </a:xfrm>
-          <a:prstGeom prst="rect">
-            <a:avLst/>
-          </a:prstGeom>
-          <a:solidFill>
-            <a:schemeClr val="bg1">
-              <a:alpha val="89000"/>
-            </a:schemeClr>
-          </a:solidFill>
-          <a:ln>
-            <a:solidFill>
-              <a:schemeClr val="bg1"/>
-            </a:solidFill>
-          </a:ln>
-        </p:spPr>
-        <p:style>
-          <a:lnRef idx="2">
-            <a:schemeClr val="accent1">
-              <a:shade val="50000"/>
-            </a:schemeClr>
-          </a:lnRef>
-          <a:fillRef idx="1">
-            <a:schemeClr val="accent1"/>
-          </a:fillRef>
-          <a:effectRef idx="0">
-            <a:schemeClr val="accent1"/>
-          </a:effectRef>
-          <a:fontRef idx="minor">
-            <a:schemeClr val="lt1"/>
-          </a:fontRef>
-        </p:style>
-        <p:txBody>
-          <a:bodyPr rtlCol="0" anchor="ctr"/>
-          <a:lstStyle/>
-          <a:p>
-            <a:pPr algn="ctr"/>
-            <a:endParaRPr lang="en-US"/>
-          </a:p>
-        </p:txBody>
-      </p:sp>
-      <p:pic>
-        <p:nvPicPr>
-          <p:cNvPr id="29" name="Picture 28">
-            <a:extLst>
-              <a:ext uri="{FF2B5EF4-FFF2-40B4-BE49-F238E27FC236}">
-                <a16:creationId xmlns:a16="http://schemas.microsoft.com/office/drawing/2014/main" id="{3132DA74-F40F-5B40-BB46-37B68A283316}"/>
-              </a:ext>
-            </a:extLst>
-          </p:cNvPr>
-          <p:cNvPicPr>
-            <a:picLocks noChangeAspect="1"/>
-          </p:cNvPicPr>
-          <p:nvPr/>
-        </p:nvPicPr>
-        <p:blipFill>
-          <a:blip r:embed="rId9"/>
-          <a:stretch>
-            <a:fillRect/>
-          </a:stretch>
-        </p:blipFill>
-        <p:spPr>
-          <a:xfrm>
-            <a:off x="507626" y="2877026"/>
-            <a:ext cx="2684901" cy="211966"/>
-          </a:xfrm>
-          <a:prstGeom prst="rect">
-            <a:avLst/>
-          </a:prstGeom>
-        </p:spPr>
-      </p:pic>
-      <p:pic>
-        <p:nvPicPr>
-          <p:cNvPr id="30" name="Picture 29">
-            <a:extLst>
-              <a:ext uri="{FF2B5EF4-FFF2-40B4-BE49-F238E27FC236}">
-                <a16:creationId xmlns:a16="http://schemas.microsoft.com/office/drawing/2014/main" id="{BB11EE8F-2F8F-F441-9BC0-4C8553F27BF0}"/>
-              </a:ext>
-            </a:extLst>
-          </p:cNvPr>
-          <p:cNvPicPr>
-            <a:picLocks noChangeAspect="1"/>
-          </p:cNvPicPr>
-          <p:nvPr/>
-        </p:nvPicPr>
-        <p:blipFill>
-          <a:blip r:embed="rId10"/>
-          <a:stretch>
-            <a:fillRect/>
-          </a:stretch>
-        </p:blipFill>
-        <p:spPr>
-          <a:xfrm>
-            <a:off x="1401335" y="3881572"/>
-            <a:ext cx="1552882" cy="836167"/>
-          </a:xfrm>
-          <a:prstGeom prst="rect">
-            <a:avLst/>
-          </a:prstGeom>
-        </p:spPr>
-      </p:pic>
-      <p:sp>
-        <p:nvSpPr>
-          <p:cNvPr id="31" name="TextBox 30">
-            <a:extLst>
-              <a:ext uri="{FF2B5EF4-FFF2-40B4-BE49-F238E27FC236}">
-                <a16:creationId xmlns:a16="http://schemas.microsoft.com/office/drawing/2014/main" id="{2C477434-88D4-E640-9065-7D5A1198B54F}"/>
-              </a:ext>
-            </a:extLst>
-          </p:cNvPr>
-          <p:cNvSpPr txBox="1"/>
-          <p:nvPr/>
-        </p:nvSpPr>
-        <p:spPr>
-          <a:xfrm>
-            <a:off x="384724" y="3180972"/>
-            <a:ext cx="3729098" cy="646331"/>
+            <a:off x="472246" y="5709165"/>
+            <a:ext cx="5688993" cy="369332"/>
           </a:xfrm>
           <a:prstGeom prst="rect">
             <a:avLst/>
@@ -7303,89 +6846,17 @@
           </a:bodyPr>
           <a:lstStyle/>
           <a:p>
-            <a:pPr algn="ctr"/>
-            <a:r>
-              <a:rPr lang="en-US" i="1" dirty="0"/>
-              <a:t>P(I): </a:t>
-            </a:r>
-            <a:r>
-              <a:rPr lang="en-US" dirty="0"/>
-              <a:t>Marginal Probability Distribution </a:t>
-            </a:r>
-          </a:p>
-          <a:p>
-            <a:pPr algn="ctr"/>
-            <a:r>
-              <a:rPr lang="en-US" dirty="0"/>
-              <a:t>of Student’s Intelligence</a:t>
-            </a:r>
-          </a:p>
-        </p:txBody>
-      </p:sp>
-      <p:pic>
-        <p:nvPicPr>
-          <p:cNvPr id="32" name="Picture 31">
-            <a:extLst>
-              <a:ext uri="{FF2B5EF4-FFF2-40B4-BE49-F238E27FC236}">
-                <a16:creationId xmlns:a16="http://schemas.microsoft.com/office/drawing/2014/main" id="{27BECAEB-AE1E-D440-839D-4F1005DD6BA1}"/>
-              </a:ext>
-            </a:extLst>
-          </p:cNvPr>
-          <p:cNvPicPr>
-            <a:picLocks noChangeAspect="1"/>
-          </p:cNvPicPr>
-          <p:nvPr/>
-        </p:nvPicPr>
-        <p:blipFill>
-          <a:blip r:embed="rId11"/>
-          <a:stretch>
-            <a:fillRect/>
-          </a:stretch>
-        </p:blipFill>
-        <p:spPr>
-          <a:xfrm>
-            <a:off x="463028" y="3277073"/>
-            <a:ext cx="421552" cy="220813"/>
-          </a:xfrm>
-          <a:prstGeom prst="rect">
-            <a:avLst/>
-          </a:prstGeom>
-        </p:spPr>
-      </p:pic>
-      <p:pic>
-        <p:nvPicPr>
-          <p:cNvPr id="33" name="Picture 32">
-            <a:extLst>
-              <a:ext uri="{FF2B5EF4-FFF2-40B4-BE49-F238E27FC236}">
-                <a16:creationId xmlns:a16="http://schemas.microsoft.com/office/drawing/2014/main" id="{8612BB59-FEFE-C548-83C2-1940760AC9E5}"/>
-              </a:ext>
-            </a:extLst>
-          </p:cNvPr>
-          <p:cNvPicPr>
-            <a:picLocks noChangeAspect="1"/>
-          </p:cNvPicPr>
-          <p:nvPr/>
-        </p:nvPicPr>
-        <p:blipFill>
-          <a:blip r:embed="rId12"/>
-          <a:stretch>
-            <a:fillRect/>
-          </a:stretch>
-        </p:blipFill>
-        <p:spPr>
-          <a:xfrm>
-            <a:off x="515373" y="5461972"/>
-            <a:ext cx="5118100" cy="736600"/>
-          </a:xfrm>
-          <a:prstGeom prst="rect">
-            <a:avLst/>
-          </a:prstGeom>
-        </p:spPr>
-      </p:pic>
+            <a:r>
+              <a:rPr lang="en-US" dirty="0"/>
+              <a:t>Given Job is offered, student is most likely to be intelligent </a:t>
+            </a:r>
+          </a:p>
+        </p:txBody>
+      </p:sp>
     </p:spTree>
     <p:extLst>
       <p:ext uri="{BB962C8B-B14F-4D97-AF65-F5344CB8AC3E}">
-        <p14:creationId xmlns:p14="http://schemas.microsoft.com/office/powerpoint/2010/main" val="2890303120"/>
+        <p14:creationId xmlns:p14="http://schemas.microsoft.com/office/powerpoint/2010/main" val="3567504450"/>
       </p:ext>
     </p:extLst>
   </p:cSld>
@@ -7512,10 +6983,40 @@
       </p:pic>
       <p:pic>
         <p:nvPicPr>
-          <p:cNvPr id="14" name="Picture 13">
-            <a:extLst>
-              <a:ext uri="{FF2B5EF4-FFF2-40B4-BE49-F238E27FC236}">
-                <a16:creationId xmlns:a16="http://schemas.microsoft.com/office/drawing/2014/main" id="{9D21E9D5-6254-9340-83A8-CA8F5B9BC72D}"/>
+          <p:cNvPr id="3" name="Picture 2">
+            <a:extLst>
+              <a:ext uri="{FF2B5EF4-FFF2-40B4-BE49-F238E27FC236}">
+                <a16:creationId xmlns:a16="http://schemas.microsoft.com/office/drawing/2014/main" id="{A3641804-B070-2345-832A-1ABA4EF365D9}"/>
+              </a:ext>
+            </a:extLst>
+          </p:cNvPr>
+          <p:cNvPicPr>
+            <a:picLocks noChangeAspect="1"/>
+          </p:cNvPicPr>
+          <p:nvPr/>
+        </p:nvPicPr>
+        <p:blipFill>
+          <a:blip r:embed="rId4"/>
+          <a:stretch>
+            <a:fillRect/>
+          </a:stretch>
+        </p:blipFill>
+        <p:spPr>
+          <a:xfrm>
+            <a:off x="542116" y="5461972"/>
+            <a:ext cx="4912540" cy="951528"/>
+          </a:xfrm>
+          <a:prstGeom prst="rect">
+            <a:avLst/>
+          </a:prstGeom>
+        </p:spPr>
+      </p:pic>
+      <p:pic>
+        <p:nvPicPr>
+          <p:cNvPr id="4" name="Picture 3">
+            <a:extLst>
+              <a:ext uri="{FF2B5EF4-FFF2-40B4-BE49-F238E27FC236}">
+                <a16:creationId xmlns:a16="http://schemas.microsoft.com/office/drawing/2014/main" id="{33805FCD-2974-0D47-8A30-B7E7B82B55EB}"/>
               </a:ext>
             </a:extLst>
           </p:cNvPr>
@@ -7525,79 +7026,14 @@
           <p:nvPr/>
         </p:nvPicPr>
         <p:blipFill rotWithShape="1">
-          <a:blip r:embed="rId4"/>
-          <a:srcRect b="40521"/>
+          <a:blip r:embed="rId5"/>
+          <a:srcRect b="22364"/>
           <a:stretch/>
         </p:blipFill>
         <p:spPr>
           <a:xfrm>
-            <a:off x="7009090" y="1079386"/>
-            <a:ext cx="3455274" cy="3187814"/>
-          </a:xfrm>
-          <a:prstGeom prst="rect">
-            <a:avLst/>
-          </a:prstGeom>
-        </p:spPr>
-      </p:pic>
-      <p:sp>
-        <p:nvSpPr>
-          <p:cNvPr id="15" name="TextBox 14">
-            <a:extLst>
-              <a:ext uri="{FF2B5EF4-FFF2-40B4-BE49-F238E27FC236}">
-                <a16:creationId xmlns:a16="http://schemas.microsoft.com/office/drawing/2014/main" id="{2192B72C-2727-0C42-8FA2-5EDFEA7279CB}"/>
-              </a:ext>
-            </a:extLst>
-          </p:cNvPr>
-          <p:cNvSpPr txBox="1"/>
-          <p:nvPr/>
-        </p:nvSpPr>
-        <p:spPr>
-          <a:xfrm>
-            <a:off x="10008186" y="4267200"/>
-            <a:ext cx="343364" cy="369332"/>
-          </a:xfrm>
-          <a:prstGeom prst="rect">
-            <a:avLst/>
-          </a:prstGeom>
-          <a:noFill/>
-        </p:spPr>
-        <p:txBody>
-          <a:bodyPr wrap="none" rtlCol="0">
-            <a:spAutoFit/>
-          </a:bodyPr>
-          <a:lstStyle/>
-          <a:p>
-            <a:r>
-              <a:rPr lang="en-US" dirty="0"/>
-              <a:t>…</a:t>
-            </a:r>
-          </a:p>
-        </p:txBody>
-      </p:sp>
-      <p:pic>
-        <p:nvPicPr>
-          <p:cNvPr id="17" name="Picture 16">
-            <a:extLst>
-              <a:ext uri="{FF2B5EF4-FFF2-40B4-BE49-F238E27FC236}">
-                <a16:creationId xmlns:a16="http://schemas.microsoft.com/office/drawing/2014/main" id="{F39AC908-886F-8D4E-A541-9817A82B7855}"/>
-              </a:ext>
-            </a:extLst>
-          </p:cNvPr>
-          <p:cNvPicPr>
-            <a:picLocks noChangeAspect="1"/>
-          </p:cNvPicPr>
-          <p:nvPr/>
-        </p:nvPicPr>
-        <p:blipFill>
-          <a:blip r:embed="rId5"/>
-          <a:stretch>
-            <a:fillRect/>
-          </a:stretch>
-        </p:blipFill>
-        <p:spPr>
-          <a:xfrm>
-            <a:off x="522451" y="5461418"/>
-            <a:ext cx="5101234" cy="1051882"/>
+            <a:off x="7563763" y="1025098"/>
+            <a:ext cx="2892843" cy="2883225"/>
           </a:xfrm>
           <a:prstGeom prst="rect">
             <a:avLst/>
@@ -7606,10 +7042,10 @@
       </p:pic>
       <p:pic>
         <p:nvPicPr>
-          <p:cNvPr id="19" name="Picture 18">
-            <a:extLst>
-              <a:ext uri="{FF2B5EF4-FFF2-40B4-BE49-F238E27FC236}">
-                <a16:creationId xmlns:a16="http://schemas.microsoft.com/office/drawing/2014/main" id="{455AC2EC-1F77-054F-8C0A-B2791679DE57}"/>
+          <p:cNvPr id="5" name="Picture 4">
+            <a:extLst>
+              <a:ext uri="{FF2B5EF4-FFF2-40B4-BE49-F238E27FC236}">
+                <a16:creationId xmlns:a16="http://schemas.microsoft.com/office/drawing/2014/main" id="{618C3FAC-8AAF-5142-BEE3-34E5A9267860}"/>
               </a:ext>
             </a:extLst>
           </p:cNvPr>
@@ -7626,8 +7062,8 @@
         </p:blipFill>
         <p:spPr>
           <a:xfrm>
-            <a:off x="7009090" y="4764326"/>
-            <a:ext cx="3509201" cy="1649174"/>
+            <a:off x="7477432" y="4219864"/>
+            <a:ext cx="3008670" cy="2168586"/>
           </a:xfrm>
           <a:prstGeom prst="rect">
             <a:avLst/>
@@ -7636,10 +7072,10 @@
       </p:pic>
       <p:sp>
         <p:nvSpPr>
-          <p:cNvPr id="42" name="TextBox 41">
-            <a:extLst>
-              <a:ext uri="{FF2B5EF4-FFF2-40B4-BE49-F238E27FC236}">
-                <a16:creationId xmlns:a16="http://schemas.microsoft.com/office/drawing/2014/main" id="{9F14BACE-1363-7246-9814-68153E0B558C}"/>
+          <p:cNvPr id="7" name="TextBox 6">
+            <a:extLst>
+              <a:ext uri="{FF2B5EF4-FFF2-40B4-BE49-F238E27FC236}">
+                <a16:creationId xmlns:a16="http://schemas.microsoft.com/office/drawing/2014/main" id="{7174020E-F198-F840-8EE0-FEABFBA69CD6}"/>
               </a:ext>
             </a:extLst>
           </p:cNvPr>
@@ -7648,7 +7084,42 @@
         </p:nvSpPr>
         <p:spPr>
           <a:xfrm>
-            <a:off x="7163386" y="4267200"/>
+            <a:off x="7654413" y="3791540"/>
+            <a:ext cx="343364" cy="369332"/>
+          </a:xfrm>
+          <a:prstGeom prst="rect">
+            <a:avLst/>
+          </a:prstGeom>
+          <a:noFill/>
+        </p:spPr>
+        <p:txBody>
+          <a:bodyPr wrap="none" rtlCol="0">
+            <a:spAutoFit/>
+          </a:bodyPr>
+          <a:lstStyle/>
+          <a:p>
+            <a:r>
+              <a:rPr lang="en-US" dirty="0"/>
+              <a:t>…</a:t>
+            </a:r>
+          </a:p>
+        </p:txBody>
+      </p:sp>
+      <p:sp>
+        <p:nvSpPr>
+          <p:cNvPr id="16" name="TextBox 15">
+            <a:extLst>
+              <a:ext uri="{FF2B5EF4-FFF2-40B4-BE49-F238E27FC236}">
+                <a16:creationId xmlns:a16="http://schemas.microsoft.com/office/drawing/2014/main" id="{56B9DD3C-0CF3-BB44-BD56-02932E0758D2}"/>
+              </a:ext>
+            </a:extLst>
+          </p:cNvPr>
+          <p:cNvSpPr txBox="1"/>
+          <p:nvPr/>
+        </p:nvSpPr>
+        <p:spPr>
+          <a:xfrm>
+            <a:off x="10137056" y="3781712"/>
             <a:ext cx="343364" cy="369332"/>
           </a:xfrm>
           <a:prstGeom prst="rect">
@@ -7727,52 +7198,17 @@
           <a:p>
             <a:r>
               <a:rPr lang="en-US" dirty="0"/>
-              <a:t>Train BN over samples to compute I from J, S, L</a:t>
-            </a:r>
-          </a:p>
-        </p:txBody>
-      </p:sp>
-      <p:sp>
-        <p:nvSpPr>
-          <p:cNvPr id="10" name="TextBox 9">
-            <a:extLst>
-              <a:ext uri="{FF2B5EF4-FFF2-40B4-BE49-F238E27FC236}">
-                <a16:creationId xmlns:a16="http://schemas.microsoft.com/office/drawing/2014/main" id="{C59DD69E-3841-FB4A-850A-476AE1B042B0}"/>
-              </a:ext>
-            </a:extLst>
-          </p:cNvPr>
-          <p:cNvSpPr txBox="1"/>
-          <p:nvPr/>
-        </p:nvSpPr>
-        <p:spPr>
-          <a:xfrm>
-            <a:off x="472245" y="1353690"/>
-            <a:ext cx="947952" cy="369332"/>
-          </a:xfrm>
-          <a:prstGeom prst="rect">
-            <a:avLst/>
-          </a:prstGeom>
-          <a:noFill/>
-        </p:spPr>
-        <p:txBody>
-          <a:bodyPr wrap="none" rtlCol="0">
-            <a:spAutoFit/>
-          </a:bodyPr>
-          <a:lstStyle/>
-          <a:p>
-            <a:r>
-              <a:rPr lang="en-US" b="1" i="1" dirty="0"/>
-              <a:t>PGMPY:</a:t>
+              <a:t>Logistic Regression over 1000 samples</a:t>
             </a:r>
           </a:p>
         </p:txBody>
       </p:sp>
       <p:pic>
         <p:nvPicPr>
-          <p:cNvPr id="5" name="Picture 4">
-            <a:extLst>
-              <a:ext uri="{FF2B5EF4-FFF2-40B4-BE49-F238E27FC236}">
-                <a16:creationId xmlns:a16="http://schemas.microsoft.com/office/drawing/2014/main" id="{5622FAAA-A2D1-EE45-BCD1-FAD01AA7023D}"/>
+          <p:cNvPr id="8" name="Picture 7">
+            <a:extLst>
+              <a:ext uri="{FF2B5EF4-FFF2-40B4-BE49-F238E27FC236}">
+                <a16:creationId xmlns:a16="http://schemas.microsoft.com/office/drawing/2014/main" id="{29FA6D33-C83C-8649-8EE9-5DC508A767B6}"/>
               </a:ext>
             </a:extLst>
           </p:cNvPr>
@@ -7789,8 +7225,8 @@
         </p:blipFill>
         <p:spPr>
           <a:xfrm>
-            <a:off x="472245" y="1896059"/>
-            <a:ext cx="6328173" cy="3996741"/>
+            <a:off x="7532534" y="1234972"/>
+            <a:ext cx="3822700" cy="4889500"/>
           </a:xfrm>
           <a:prstGeom prst="rect">
             <a:avLst/>
@@ -7799,82 +7235,95 @@
       </p:pic>
       <p:sp>
         <p:nvSpPr>
-          <p:cNvPr id="16" name="Rectangle 15">
-            <a:extLst>
-              <a:ext uri="{FF2B5EF4-FFF2-40B4-BE49-F238E27FC236}">
-                <a16:creationId xmlns:a16="http://schemas.microsoft.com/office/drawing/2014/main" id="{F17D47CD-A38A-2D48-98E5-368ABE3799F5}"/>
-              </a:ext>
-            </a:extLst>
-          </p:cNvPr>
-          <p:cNvSpPr/>
+          <p:cNvPr id="9" name="TextBox 8">
+            <a:extLst>
+              <a:ext uri="{FF2B5EF4-FFF2-40B4-BE49-F238E27FC236}">
+                <a16:creationId xmlns:a16="http://schemas.microsoft.com/office/drawing/2014/main" id="{D8523D48-E6A0-0343-9B2D-B3C7846AFFE7}"/>
+              </a:ext>
+            </a:extLst>
+          </p:cNvPr>
+          <p:cNvSpPr txBox="1"/>
           <p:nvPr/>
         </p:nvSpPr>
         <p:spPr>
           <a:xfrm>
-            <a:off x="6947712" y="1896059"/>
-            <a:ext cx="5015688" cy="1200329"/>
+            <a:off x="474066" y="1310988"/>
+            <a:ext cx="3766865" cy="1754326"/>
           </a:xfrm>
           <a:prstGeom prst="rect">
             <a:avLst/>
           </a:prstGeom>
-        </p:spPr>
-        <p:txBody>
-          <a:bodyPr wrap="square">
+          <a:noFill/>
+        </p:spPr>
+        <p:txBody>
+          <a:bodyPr wrap="none" rtlCol="0">
             <a:spAutoFit/>
           </a:bodyPr>
           <a:lstStyle/>
           <a:p>
             <a:r>
-              <a:rPr lang="en-US" dirty="0"/>
-              <a:t>The most probable explanation given student </a:t>
-            </a:r>
-            <a:r>
               <a:rPr lang="en-US" b="1" dirty="0"/>
-              <a:t>gets job and scored high on SAT and got a good letter of recommendation </a:t>
-            </a:r>
-            <a:r>
-              <a:rPr lang="en-US" dirty="0"/>
-              <a:t>is: </a:t>
-            </a:r>
-          </a:p>
-          <a:p>
-            <a:pPr marL="742950" lvl="1" indent="-285750">
+              <a:t>Training Hyperparameters:</a:t>
+            </a:r>
+          </a:p>
+          <a:p>
+            <a:pPr marL="285750" indent="-285750">
               <a:buFont typeface="Arial" panose="020B0604020202020204" pitchFamily="34" charset="0"/>
               <a:buChar char="•"/>
             </a:pPr>
             <a:r>
-              <a:rPr lang="en-US" i="1" dirty="0"/>
-              <a:t>91.46% </a:t>
-            </a:r>
-            <a:r>
-              <a:rPr lang="en-US" dirty="0"/>
-              <a:t>chance that </a:t>
-            </a:r>
-            <a:r>
-              <a:rPr lang="en-US" i="1" dirty="0"/>
-              <a:t>student</a:t>
-            </a:r>
-            <a:r>
-              <a:rPr lang="en-US" dirty="0"/>
-              <a:t> is </a:t>
-            </a:r>
-            <a:r>
-              <a:rPr lang="en-US" b="1" dirty="0"/>
-              <a:t>intelligent</a:t>
-            </a:r>
-            <a:r>
-              <a:rPr lang="en-US" dirty="0"/>
-              <a:t>;</a:t>
-            </a:r>
-          </a:p>
-        </p:txBody>
-      </p:sp>
-      <p:sp>
-        <p:nvSpPr>
-          <p:cNvPr id="18" name="TextBox 17">
-            <a:extLst>
-              <a:ext uri="{FF2B5EF4-FFF2-40B4-BE49-F238E27FC236}">
-                <a16:creationId xmlns:a16="http://schemas.microsoft.com/office/drawing/2014/main" id="{EC7D3F9C-664E-CC40-B03C-93E9141E77CD}"/>
+              <a:rPr lang="en-US" dirty="0"/>
+              <a:t>Number of Epochs: 100</a:t>
+            </a:r>
+          </a:p>
+          <a:p>
+            <a:pPr marL="285750" indent="-285750">
+              <a:buFont typeface="Arial" panose="020B0604020202020204" pitchFamily="34" charset="0"/>
+              <a:buChar char="•"/>
+            </a:pPr>
+            <a:r>
+              <a:rPr lang="en-US" dirty="0"/>
+              <a:t>Batch Size: 100</a:t>
+            </a:r>
+          </a:p>
+          <a:p>
+            <a:pPr marL="285750" indent="-285750">
+              <a:buFont typeface="Arial" panose="020B0604020202020204" pitchFamily="34" charset="0"/>
+              <a:buChar char="•"/>
+            </a:pPr>
+            <a:r>
+              <a:rPr lang="en-US" dirty="0"/>
+              <a:t>Number of samples: 1000</a:t>
+            </a:r>
+          </a:p>
+          <a:p>
+            <a:pPr marL="285750" indent="-285750">
+              <a:buFont typeface="Arial" panose="020B0604020202020204" pitchFamily="34" charset="0"/>
+              <a:buChar char="•"/>
+            </a:pPr>
+            <a:r>
+              <a:rPr lang="en-US" dirty="0"/>
+              <a:t>Number of Training samples: 800</a:t>
+            </a:r>
+          </a:p>
+          <a:p>
+            <a:pPr marL="285750" indent="-285750">
+              <a:buFont typeface="Arial" panose="020B0604020202020204" pitchFamily="34" charset="0"/>
+              <a:buChar char="•"/>
+            </a:pPr>
+            <a:r>
+              <a:rPr lang="en-US" dirty="0"/>
+              <a:t>Number of Validation samples: 200</a:t>
+            </a:r>
+          </a:p>
+        </p:txBody>
+      </p:sp>
+      <p:sp>
+        <p:nvSpPr>
+          <p:cNvPr id="11" name="TextBox 10">
+            <a:extLst>
+              <a:ext uri="{FF2B5EF4-FFF2-40B4-BE49-F238E27FC236}">
+                <a16:creationId xmlns:a16="http://schemas.microsoft.com/office/drawing/2014/main" id="{A21E732F-BCF3-AB4E-8422-1CA1F535A05D}"/>
               </a:ext>
             </a:extLst>
           </p:cNvPr>
@@ -7883,8 +7332,8 @@
         </p:nvSpPr>
         <p:spPr>
           <a:xfrm>
-            <a:off x="6947712" y="1353690"/>
-            <a:ext cx="1376787" cy="369332"/>
+            <a:off x="4346881" y="1310988"/>
+            <a:ext cx="2796215" cy="1477328"/>
           </a:xfrm>
           <a:prstGeom prst="rect">
             <a:avLst/>
@@ -7898,12 +7347,694 @@
           <a:lstStyle/>
           <a:p>
             <a:r>
-              <a:rPr lang="en-US" b="1" i="1" dirty="0"/>
-              <a:t>Explanation</a:t>
-            </a:r>
-            <a:r>
-              <a:rPr lang="en-US" dirty="0"/>
-              <a:t>:</a:t>
+              <a:rPr lang="en-US" b="1" dirty="0"/>
+              <a:t>Results:</a:t>
+            </a:r>
+          </a:p>
+          <a:p>
+            <a:pPr marL="285750" indent="-285750">
+              <a:buFont typeface="Arial" panose="020B0604020202020204" pitchFamily="34" charset="0"/>
+              <a:buChar char="•"/>
+            </a:pPr>
+            <a:r>
+              <a:rPr lang="en-US" dirty="0"/>
+              <a:t>Training Accuracy: 90.5%</a:t>
+            </a:r>
+          </a:p>
+          <a:p>
+            <a:pPr marL="285750" indent="-285750">
+              <a:buFont typeface="Arial" panose="020B0604020202020204" pitchFamily="34" charset="0"/>
+              <a:buChar char="•"/>
+            </a:pPr>
+            <a:r>
+              <a:rPr lang="en-US" dirty="0"/>
+              <a:t>Training Loss: 0.293</a:t>
+            </a:r>
+          </a:p>
+          <a:p>
+            <a:pPr marL="285750" indent="-285750">
+              <a:buFont typeface="Arial" panose="020B0604020202020204" pitchFamily="34" charset="0"/>
+              <a:buChar char="•"/>
+            </a:pPr>
+            <a:r>
+              <a:rPr lang="en-US" dirty="0"/>
+              <a:t>Testing Accuracy: 92%</a:t>
+            </a:r>
+          </a:p>
+          <a:p>
+            <a:pPr marL="285750" indent="-285750">
+              <a:buFont typeface="Arial" panose="020B0604020202020204" pitchFamily="34" charset="0"/>
+              <a:buChar char="•"/>
+            </a:pPr>
+            <a:r>
+              <a:rPr lang="en-US" dirty="0"/>
+              <a:t>Testing Loss: 0.2802</a:t>
+            </a:r>
+          </a:p>
+        </p:txBody>
+      </p:sp>
+      <p:sp>
+        <p:nvSpPr>
+          <p:cNvPr id="17" name="Oval 16">
+            <a:extLst>
+              <a:ext uri="{FF2B5EF4-FFF2-40B4-BE49-F238E27FC236}">
+                <a16:creationId xmlns:a16="http://schemas.microsoft.com/office/drawing/2014/main" id="{2C9D9936-7CF2-F447-8587-47899D4743C3}"/>
+              </a:ext>
+            </a:extLst>
+          </p:cNvPr>
+          <p:cNvSpPr/>
+          <p:nvPr/>
+        </p:nvSpPr>
+        <p:spPr>
+          <a:xfrm>
+            <a:off x="1906666" y="3381067"/>
+            <a:ext cx="551827" cy="597310"/>
+          </a:xfrm>
+          <a:prstGeom prst="ellipse">
+            <a:avLst/>
+          </a:prstGeom>
+        </p:spPr>
+        <p:style>
+          <a:lnRef idx="2">
+            <a:schemeClr val="accent1">
+              <a:shade val="50000"/>
+            </a:schemeClr>
+          </a:lnRef>
+          <a:fillRef idx="1">
+            <a:schemeClr val="accent1"/>
+          </a:fillRef>
+          <a:effectRef idx="0">
+            <a:schemeClr val="accent1"/>
+          </a:effectRef>
+          <a:fontRef idx="minor">
+            <a:schemeClr val="lt1"/>
+          </a:fontRef>
+        </p:style>
+        <p:txBody>
+          <a:bodyPr rtlCol="0" anchor="ctr"/>
+          <a:lstStyle/>
+          <a:p>
+            <a:pPr algn="ctr"/>
+            <a:endParaRPr lang="en-US"/>
+          </a:p>
+        </p:txBody>
+      </p:sp>
+      <p:sp>
+        <p:nvSpPr>
+          <p:cNvPr id="21" name="Oval 20">
+            <a:extLst>
+              <a:ext uri="{FF2B5EF4-FFF2-40B4-BE49-F238E27FC236}">
+                <a16:creationId xmlns:a16="http://schemas.microsoft.com/office/drawing/2014/main" id="{878A78A1-6522-DC4B-99A5-1432E591DEAC}"/>
+              </a:ext>
+            </a:extLst>
+          </p:cNvPr>
+          <p:cNvSpPr/>
+          <p:nvPr/>
+        </p:nvSpPr>
+        <p:spPr>
+          <a:xfrm>
+            <a:off x="1906665" y="4318607"/>
+            <a:ext cx="551827" cy="597310"/>
+          </a:xfrm>
+          <a:prstGeom prst="ellipse">
+            <a:avLst/>
+          </a:prstGeom>
+        </p:spPr>
+        <p:style>
+          <a:lnRef idx="2">
+            <a:schemeClr val="accent1">
+              <a:shade val="50000"/>
+            </a:schemeClr>
+          </a:lnRef>
+          <a:fillRef idx="1">
+            <a:schemeClr val="accent1"/>
+          </a:fillRef>
+          <a:effectRef idx="0">
+            <a:schemeClr val="accent1"/>
+          </a:effectRef>
+          <a:fontRef idx="minor">
+            <a:schemeClr val="lt1"/>
+          </a:fontRef>
+        </p:style>
+        <p:txBody>
+          <a:bodyPr rtlCol="0" anchor="ctr"/>
+          <a:lstStyle/>
+          <a:p>
+            <a:pPr algn="ctr"/>
+            <a:endParaRPr lang="en-US"/>
+          </a:p>
+        </p:txBody>
+      </p:sp>
+      <p:sp>
+        <p:nvSpPr>
+          <p:cNvPr id="23" name="Oval 22">
+            <a:extLst>
+              <a:ext uri="{FF2B5EF4-FFF2-40B4-BE49-F238E27FC236}">
+                <a16:creationId xmlns:a16="http://schemas.microsoft.com/office/drawing/2014/main" id="{EDC2DD6B-1743-4547-A4F2-4791EBA8750A}"/>
+              </a:ext>
+            </a:extLst>
+          </p:cNvPr>
+          <p:cNvSpPr/>
+          <p:nvPr/>
+        </p:nvSpPr>
+        <p:spPr>
+          <a:xfrm>
+            <a:off x="1906664" y="5256147"/>
+            <a:ext cx="551827" cy="597310"/>
+          </a:xfrm>
+          <a:prstGeom prst="ellipse">
+            <a:avLst/>
+          </a:prstGeom>
+        </p:spPr>
+        <p:style>
+          <a:lnRef idx="2">
+            <a:schemeClr val="accent1">
+              <a:shade val="50000"/>
+            </a:schemeClr>
+          </a:lnRef>
+          <a:fillRef idx="1">
+            <a:schemeClr val="accent1"/>
+          </a:fillRef>
+          <a:effectRef idx="0">
+            <a:schemeClr val="accent1"/>
+          </a:effectRef>
+          <a:fontRef idx="minor">
+            <a:schemeClr val="lt1"/>
+          </a:fontRef>
+        </p:style>
+        <p:txBody>
+          <a:bodyPr rtlCol="0" anchor="ctr"/>
+          <a:lstStyle/>
+          <a:p>
+            <a:pPr algn="ctr"/>
+            <a:endParaRPr lang="en-US"/>
+          </a:p>
+        </p:txBody>
+      </p:sp>
+      <p:sp>
+        <p:nvSpPr>
+          <p:cNvPr id="24" name="Oval 23">
+            <a:extLst>
+              <a:ext uri="{FF2B5EF4-FFF2-40B4-BE49-F238E27FC236}">
+                <a16:creationId xmlns:a16="http://schemas.microsoft.com/office/drawing/2014/main" id="{92CA60C2-545A-A849-97B0-F27BCAF95FED}"/>
+              </a:ext>
+            </a:extLst>
+          </p:cNvPr>
+          <p:cNvSpPr/>
+          <p:nvPr/>
+        </p:nvSpPr>
+        <p:spPr>
+          <a:xfrm>
+            <a:off x="2797884" y="6058802"/>
+            <a:ext cx="551827" cy="597310"/>
+          </a:xfrm>
+          <a:prstGeom prst="ellipse">
+            <a:avLst/>
+          </a:prstGeom>
+        </p:spPr>
+        <p:style>
+          <a:lnRef idx="2">
+            <a:schemeClr val="accent1">
+              <a:shade val="50000"/>
+            </a:schemeClr>
+          </a:lnRef>
+          <a:fillRef idx="1">
+            <a:schemeClr val="accent1"/>
+          </a:fillRef>
+          <a:effectRef idx="0">
+            <a:schemeClr val="accent1"/>
+          </a:effectRef>
+          <a:fontRef idx="minor">
+            <a:schemeClr val="lt1"/>
+          </a:fontRef>
+        </p:style>
+        <p:txBody>
+          <a:bodyPr rtlCol="0" anchor="ctr"/>
+          <a:lstStyle/>
+          <a:p>
+            <a:pPr algn="ctr"/>
+            <a:endParaRPr lang="en-US"/>
+          </a:p>
+        </p:txBody>
+      </p:sp>
+      <p:sp>
+        <p:nvSpPr>
+          <p:cNvPr id="25" name="Oval 24">
+            <a:extLst>
+              <a:ext uri="{FF2B5EF4-FFF2-40B4-BE49-F238E27FC236}">
+                <a16:creationId xmlns:a16="http://schemas.microsoft.com/office/drawing/2014/main" id="{BD3CE6BE-D244-934A-8A27-E5E73897BD41}"/>
+              </a:ext>
+            </a:extLst>
+          </p:cNvPr>
+          <p:cNvSpPr/>
+          <p:nvPr/>
+        </p:nvSpPr>
+        <p:spPr>
+          <a:xfrm>
+            <a:off x="4240931" y="4318607"/>
+            <a:ext cx="551827" cy="597310"/>
+          </a:xfrm>
+          <a:prstGeom prst="ellipse">
+            <a:avLst/>
+          </a:prstGeom>
+        </p:spPr>
+        <p:style>
+          <a:lnRef idx="2">
+            <a:schemeClr val="accent1">
+              <a:shade val="50000"/>
+            </a:schemeClr>
+          </a:lnRef>
+          <a:fillRef idx="1">
+            <a:schemeClr val="accent1"/>
+          </a:fillRef>
+          <a:effectRef idx="0">
+            <a:schemeClr val="accent1"/>
+          </a:effectRef>
+          <a:fontRef idx="minor">
+            <a:schemeClr val="lt1"/>
+          </a:fontRef>
+        </p:style>
+        <p:txBody>
+          <a:bodyPr rtlCol="0" anchor="ctr"/>
+          <a:lstStyle/>
+          <a:p>
+            <a:pPr algn="ctr"/>
+            <a:endParaRPr lang="en-US" dirty="0"/>
+          </a:p>
+        </p:txBody>
+      </p:sp>
+      <p:cxnSp>
+        <p:nvCxnSpPr>
+          <p:cNvPr id="15" name="Straight Connector 14">
+            <a:extLst>
+              <a:ext uri="{FF2B5EF4-FFF2-40B4-BE49-F238E27FC236}">
+                <a16:creationId xmlns:a16="http://schemas.microsoft.com/office/drawing/2014/main" id="{441150DE-AA5B-B54A-BD87-C8AB1F7AED4A}"/>
+              </a:ext>
+            </a:extLst>
+          </p:cNvPr>
+          <p:cNvCxnSpPr>
+            <a:stCxn id="17" idx="6"/>
+            <a:endCxn id="25" idx="2"/>
+          </p:cNvCxnSpPr>
+          <p:nvPr/>
+        </p:nvCxnSpPr>
+        <p:spPr>
+          <a:xfrm>
+            <a:off x="2458493" y="3679722"/>
+            <a:ext cx="1782438" cy="937540"/>
+          </a:xfrm>
+          <a:prstGeom prst="line">
+            <a:avLst/>
+          </a:prstGeom>
+        </p:spPr>
+        <p:style>
+          <a:lnRef idx="1">
+            <a:schemeClr val="accent1"/>
+          </a:lnRef>
+          <a:fillRef idx="0">
+            <a:schemeClr val="accent1"/>
+          </a:fillRef>
+          <a:effectRef idx="0">
+            <a:schemeClr val="accent1"/>
+          </a:effectRef>
+          <a:fontRef idx="minor">
+            <a:schemeClr val="tx1"/>
+          </a:fontRef>
+        </p:style>
+      </p:cxnSp>
+      <p:cxnSp>
+        <p:nvCxnSpPr>
+          <p:cNvPr id="26" name="Straight Connector 25">
+            <a:extLst>
+              <a:ext uri="{FF2B5EF4-FFF2-40B4-BE49-F238E27FC236}">
+                <a16:creationId xmlns:a16="http://schemas.microsoft.com/office/drawing/2014/main" id="{7EF684AB-94DA-F045-B28C-2CF9E1F55248}"/>
+              </a:ext>
+            </a:extLst>
+          </p:cNvPr>
+          <p:cNvCxnSpPr>
+            <a:cxnSpLocks/>
+            <a:stCxn id="21" idx="6"/>
+            <a:endCxn id="25" idx="2"/>
+          </p:cNvCxnSpPr>
+          <p:nvPr/>
+        </p:nvCxnSpPr>
+        <p:spPr>
+          <a:xfrm>
+            <a:off x="2458492" y="4617262"/>
+            <a:ext cx="1782439" cy="0"/>
+          </a:xfrm>
+          <a:prstGeom prst="line">
+            <a:avLst/>
+          </a:prstGeom>
+        </p:spPr>
+        <p:style>
+          <a:lnRef idx="1">
+            <a:schemeClr val="accent1"/>
+          </a:lnRef>
+          <a:fillRef idx="0">
+            <a:schemeClr val="accent1"/>
+          </a:fillRef>
+          <a:effectRef idx="0">
+            <a:schemeClr val="accent1"/>
+          </a:effectRef>
+          <a:fontRef idx="minor">
+            <a:schemeClr val="tx1"/>
+          </a:fontRef>
+        </p:style>
+      </p:cxnSp>
+      <p:cxnSp>
+        <p:nvCxnSpPr>
+          <p:cNvPr id="29" name="Straight Connector 28">
+            <a:extLst>
+              <a:ext uri="{FF2B5EF4-FFF2-40B4-BE49-F238E27FC236}">
+                <a16:creationId xmlns:a16="http://schemas.microsoft.com/office/drawing/2014/main" id="{661D0A0E-271F-FE4F-9B1E-C09935FA46DA}"/>
+              </a:ext>
+            </a:extLst>
+          </p:cNvPr>
+          <p:cNvCxnSpPr>
+            <a:cxnSpLocks/>
+            <a:stCxn id="23" idx="6"/>
+            <a:endCxn id="25" idx="2"/>
+          </p:cNvCxnSpPr>
+          <p:nvPr/>
+        </p:nvCxnSpPr>
+        <p:spPr>
+          <a:xfrm flipV="1">
+            <a:off x="2458491" y="4617262"/>
+            <a:ext cx="1782440" cy="937540"/>
+          </a:xfrm>
+          <a:prstGeom prst="line">
+            <a:avLst/>
+          </a:prstGeom>
+        </p:spPr>
+        <p:style>
+          <a:lnRef idx="1">
+            <a:schemeClr val="accent1"/>
+          </a:lnRef>
+          <a:fillRef idx="0">
+            <a:schemeClr val="accent1"/>
+          </a:fillRef>
+          <a:effectRef idx="0">
+            <a:schemeClr val="accent1"/>
+          </a:effectRef>
+          <a:fontRef idx="minor">
+            <a:schemeClr val="tx1"/>
+          </a:fontRef>
+        </p:style>
+      </p:cxnSp>
+      <p:cxnSp>
+        <p:nvCxnSpPr>
+          <p:cNvPr id="32" name="Straight Connector 31">
+            <a:extLst>
+              <a:ext uri="{FF2B5EF4-FFF2-40B4-BE49-F238E27FC236}">
+                <a16:creationId xmlns:a16="http://schemas.microsoft.com/office/drawing/2014/main" id="{F750A31D-F8CE-F143-90C5-1BF827515B78}"/>
+              </a:ext>
+            </a:extLst>
+          </p:cNvPr>
+          <p:cNvCxnSpPr>
+            <a:cxnSpLocks/>
+            <a:stCxn id="24" idx="6"/>
+            <a:endCxn id="25" idx="2"/>
+          </p:cNvCxnSpPr>
+          <p:nvPr/>
+        </p:nvCxnSpPr>
+        <p:spPr>
+          <a:xfrm flipV="1">
+            <a:off x="3349711" y="4617262"/>
+            <a:ext cx="891220" cy="1740195"/>
+          </a:xfrm>
+          <a:prstGeom prst="line">
+            <a:avLst/>
+          </a:prstGeom>
+        </p:spPr>
+        <p:style>
+          <a:lnRef idx="1">
+            <a:schemeClr val="accent1"/>
+          </a:lnRef>
+          <a:fillRef idx="0">
+            <a:schemeClr val="accent1"/>
+          </a:fillRef>
+          <a:effectRef idx="0">
+            <a:schemeClr val="accent1"/>
+          </a:effectRef>
+          <a:fontRef idx="minor">
+            <a:schemeClr val="tx1"/>
+          </a:fontRef>
+        </p:style>
+      </p:cxnSp>
+      <p:sp>
+        <p:nvSpPr>
+          <p:cNvPr id="36" name="TextBox 35">
+            <a:extLst>
+              <a:ext uri="{FF2B5EF4-FFF2-40B4-BE49-F238E27FC236}">
+                <a16:creationId xmlns:a16="http://schemas.microsoft.com/office/drawing/2014/main" id="{2922F6D8-92EC-624E-B75D-7CBEEB5A3517}"/>
+              </a:ext>
+            </a:extLst>
+          </p:cNvPr>
+          <p:cNvSpPr txBox="1"/>
+          <p:nvPr/>
+        </p:nvSpPr>
+        <p:spPr>
+          <a:xfrm>
+            <a:off x="2229335" y="6208263"/>
+            <a:ext cx="562975" cy="369332"/>
+          </a:xfrm>
+          <a:prstGeom prst="rect">
+            <a:avLst/>
+          </a:prstGeom>
+          <a:noFill/>
+        </p:spPr>
+        <p:txBody>
+          <a:bodyPr wrap="none" rtlCol="0">
+            <a:spAutoFit/>
+          </a:bodyPr>
+          <a:lstStyle/>
+          <a:p>
+            <a:r>
+              <a:rPr lang="en-US" dirty="0"/>
+              <a:t>Bias</a:t>
+            </a:r>
+          </a:p>
+        </p:txBody>
+      </p:sp>
+      <p:sp>
+        <p:nvSpPr>
+          <p:cNvPr id="37" name="TextBox 36">
+            <a:extLst>
+              <a:ext uri="{FF2B5EF4-FFF2-40B4-BE49-F238E27FC236}">
+                <a16:creationId xmlns:a16="http://schemas.microsoft.com/office/drawing/2014/main" id="{83112C68-15EC-4544-A1E4-2FF39D0FD16C}"/>
+              </a:ext>
+            </a:extLst>
+          </p:cNvPr>
+          <p:cNvSpPr txBox="1"/>
+          <p:nvPr/>
+        </p:nvSpPr>
+        <p:spPr>
+          <a:xfrm>
+            <a:off x="1354839" y="3495056"/>
+            <a:ext cx="502061" cy="369332"/>
+          </a:xfrm>
+          <a:prstGeom prst="rect">
+            <a:avLst/>
+          </a:prstGeom>
+          <a:noFill/>
+        </p:spPr>
+        <p:txBody>
+          <a:bodyPr wrap="none" rtlCol="0">
+            <a:spAutoFit/>
+          </a:bodyPr>
+          <a:lstStyle/>
+          <a:p>
+            <a:r>
+              <a:rPr lang="en-US" dirty="0"/>
+              <a:t>Job</a:t>
+            </a:r>
+          </a:p>
+        </p:txBody>
+      </p:sp>
+      <p:sp>
+        <p:nvSpPr>
+          <p:cNvPr id="38" name="TextBox 37">
+            <a:extLst>
+              <a:ext uri="{FF2B5EF4-FFF2-40B4-BE49-F238E27FC236}">
+                <a16:creationId xmlns:a16="http://schemas.microsoft.com/office/drawing/2014/main" id="{CBE8B7BF-7C5D-E44C-8EB1-BA2F7088CA1F}"/>
+              </a:ext>
+            </a:extLst>
+          </p:cNvPr>
+          <p:cNvSpPr txBox="1"/>
+          <p:nvPr/>
+        </p:nvSpPr>
+        <p:spPr>
+          <a:xfrm>
+            <a:off x="1347849" y="4432596"/>
+            <a:ext cx="516039" cy="369332"/>
+          </a:xfrm>
+          <a:prstGeom prst="rect">
+            <a:avLst/>
+          </a:prstGeom>
+          <a:noFill/>
+        </p:spPr>
+        <p:txBody>
+          <a:bodyPr wrap="none" rtlCol="0">
+            <a:spAutoFit/>
+          </a:bodyPr>
+          <a:lstStyle/>
+          <a:p>
+            <a:r>
+              <a:rPr lang="en-US" dirty="0"/>
+              <a:t>SAT</a:t>
+            </a:r>
+          </a:p>
+        </p:txBody>
+      </p:sp>
+      <p:sp>
+        <p:nvSpPr>
+          <p:cNvPr id="39" name="TextBox 38">
+            <a:extLst>
+              <a:ext uri="{FF2B5EF4-FFF2-40B4-BE49-F238E27FC236}">
+                <a16:creationId xmlns:a16="http://schemas.microsoft.com/office/drawing/2014/main" id="{C7198D92-12C1-094D-B2AD-9BCFD0E54504}"/>
+              </a:ext>
+            </a:extLst>
+          </p:cNvPr>
+          <p:cNvSpPr txBox="1"/>
+          <p:nvPr/>
+        </p:nvSpPr>
+        <p:spPr>
+          <a:xfrm>
+            <a:off x="1166332" y="5370136"/>
+            <a:ext cx="740331" cy="369332"/>
+          </a:xfrm>
+          <a:prstGeom prst="rect">
+            <a:avLst/>
+          </a:prstGeom>
+          <a:noFill/>
+        </p:spPr>
+        <p:txBody>
+          <a:bodyPr wrap="none" rtlCol="0">
+            <a:spAutoFit/>
+          </a:bodyPr>
+          <a:lstStyle/>
+          <a:p>
+            <a:r>
+              <a:rPr lang="en-US" dirty="0"/>
+              <a:t>Letter</a:t>
+            </a:r>
+          </a:p>
+        </p:txBody>
+      </p:sp>
+      <p:cxnSp>
+        <p:nvCxnSpPr>
+          <p:cNvPr id="40" name="Straight Connector 39">
+            <a:extLst>
+              <a:ext uri="{FF2B5EF4-FFF2-40B4-BE49-F238E27FC236}">
+                <a16:creationId xmlns:a16="http://schemas.microsoft.com/office/drawing/2014/main" id="{5D358725-5F92-F244-8E02-7E86721FDAB6}"/>
+              </a:ext>
+            </a:extLst>
+          </p:cNvPr>
+          <p:cNvCxnSpPr>
+            <a:cxnSpLocks/>
+            <a:endCxn id="25" idx="6"/>
+          </p:cNvCxnSpPr>
+          <p:nvPr/>
+        </p:nvCxnSpPr>
+        <p:spPr>
+          <a:xfrm flipH="1">
+            <a:off x="4792758" y="4617262"/>
+            <a:ext cx="405510" cy="0"/>
+          </a:xfrm>
+          <a:prstGeom prst="line">
+            <a:avLst/>
+          </a:prstGeom>
+        </p:spPr>
+        <p:style>
+          <a:lnRef idx="1">
+            <a:schemeClr val="accent1"/>
+          </a:lnRef>
+          <a:fillRef idx="0">
+            <a:schemeClr val="accent1"/>
+          </a:fillRef>
+          <a:effectRef idx="0">
+            <a:schemeClr val="accent1"/>
+          </a:effectRef>
+          <a:fontRef idx="minor">
+            <a:schemeClr val="tx1"/>
+          </a:fontRef>
+        </p:style>
+      </p:cxnSp>
+      <p:sp>
+        <p:nvSpPr>
+          <p:cNvPr id="44" name="TextBox 43">
+            <a:extLst>
+              <a:ext uri="{FF2B5EF4-FFF2-40B4-BE49-F238E27FC236}">
+                <a16:creationId xmlns:a16="http://schemas.microsoft.com/office/drawing/2014/main" id="{8C6AFB3D-25A3-B645-AEA6-65868FA75276}"/>
+              </a:ext>
+            </a:extLst>
+          </p:cNvPr>
+          <p:cNvSpPr txBox="1"/>
+          <p:nvPr/>
+        </p:nvSpPr>
+        <p:spPr>
+          <a:xfrm>
+            <a:off x="5205763" y="4432596"/>
+            <a:ext cx="1268168" cy="369332"/>
+          </a:xfrm>
+          <a:prstGeom prst="rect">
+            <a:avLst/>
+          </a:prstGeom>
+          <a:noFill/>
+        </p:spPr>
+        <p:txBody>
+          <a:bodyPr wrap="none" rtlCol="0">
+            <a:spAutoFit/>
+          </a:bodyPr>
+          <a:lstStyle/>
+          <a:p>
+            <a:r>
+              <a:rPr lang="en-US" dirty="0"/>
+              <a:t>Intelligence</a:t>
+            </a:r>
+          </a:p>
+        </p:txBody>
+      </p:sp>
+      <p:sp>
+        <p:nvSpPr>
+          <p:cNvPr id="46" name="TextBox 45">
+            <a:extLst>
+              <a:ext uri="{FF2B5EF4-FFF2-40B4-BE49-F238E27FC236}">
+                <a16:creationId xmlns:a16="http://schemas.microsoft.com/office/drawing/2014/main" id="{C9F27321-9752-8749-83C0-CEF38F61A9FF}"/>
+              </a:ext>
+            </a:extLst>
+          </p:cNvPr>
+          <p:cNvSpPr txBox="1"/>
+          <p:nvPr/>
+        </p:nvSpPr>
+        <p:spPr>
+          <a:xfrm>
+            <a:off x="3975661" y="3679688"/>
+            <a:ext cx="1128129" cy="646331"/>
+          </a:xfrm>
+          <a:prstGeom prst="rect">
+            <a:avLst/>
+          </a:prstGeom>
+          <a:noFill/>
+        </p:spPr>
+        <p:txBody>
+          <a:bodyPr wrap="none" rtlCol="0">
+            <a:spAutoFit/>
+          </a:bodyPr>
+          <a:lstStyle/>
+          <a:p>
+            <a:pPr algn="ctr"/>
+            <a:r>
+              <a:rPr lang="en-US" dirty="0"/>
+              <a:t>Sigmoid </a:t>
+            </a:r>
+          </a:p>
+          <a:p>
+            <a:pPr algn="ctr"/>
+            <a:r>
+              <a:rPr lang="en-US" dirty="0"/>
+              <a:t>Activation</a:t>
             </a:r>
           </a:p>
         </p:txBody>
